--- a/Xgboost.pptx
+++ b/Xgboost.pptx
@@ -5,7 +5,7 @@
     <p:sldMasterId id="2147483648" r:id="rId1"/>
   </p:sldMasterIdLst>
   <p:notesMasterIdLst>
-    <p:notesMasterId r:id="rId19"/>
+    <p:notesMasterId r:id="rId22"/>
   </p:notesMasterIdLst>
   <p:sldIdLst>
     <p:sldId id="256" r:id="rId2"/>
@@ -20,11 +20,14 @@
     <p:sldId id="277" r:id="rId11"/>
     <p:sldId id="278" r:id="rId12"/>
     <p:sldId id="279" r:id="rId13"/>
-    <p:sldId id="280" r:id="rId14"/>
-    <p:sldId id="272" r:id="rId15"/>
-    <p:sldId id="282" r:id="rId16"/>
-    <p:sldId id="271" r:id="rId17"/>
-    <p:sldId id="284" r:id="rId18"/>
+    <p:sldId id="272" r:id="rId14"/>
+    <p:sldId id="282" r:id="rId15"/>
+    <p:sldId id="271" r:id="rId16"/>
+    <p:sldId id="284" r:id="rId17"/>
+    <p:sldId id="292" r:id="rId18"/>
+    <p:sldId id="294" r:id="rId19"/>
+    <p:sldId id="295" r:id="rId20"/>
+    <p:sldId id="296" r:id="rId21"/>
   </p:sldIdLst>
   <p:sldSz cx="12192000" cy="6858000"/>
   <p:notesSz cx="6858000" cy="9144000"/>
@@ -131,6 +134,14 @@
 </p:presentation>
 </file>
 
+<file path=ppt/revisionInfo.xml><?xml version="1.0" encoding="utf-8"?>
+<p1510:revInfo xmlns:a="http://schemas.openxmlformats.org/drawingml/2006/main" xmlns:r="http://schemas.openxmlformats.org/officeDocument/2006/relationships" xmlns:p1510="http://schemas.microsoft.com/office/powerpoint/2015/10/main">
+  <p1510:revLst>
+    <p1510:client id="{68DF8457-6E0F-E649-90E9-B152881AE8ED}" v="1" dt="2023-09-03T20:28:28.641"/>
+  </p1510:revLst>
+</p1510:revInfo>
+</file>
+
 <file path=ppt/notesMasters/notesMaster1.xml><?xml version="1.0" encoding="utf-8"?>
 <p:notesMaster xmlns:a="http://schemas.openxmlformats.org/drawingml/2006/main" xmlns:r="http://schemas.openxmlformats.org/officeDocument/2006/relationships" xmlns:p="http://schemas.openxmlformats.org/presentationml/2006/main">
   <p:cSld>
@@ -213,7 +224,7 @@
           <a:p>
             <a:fld id="{D00F675E-99CA-BA45-A475-35D13CF4D5D1}" type="datetimeFigureOut">
               <a:rPr lang="it-IT" smtClean="0"/>
-              <a:t>23/08/23</a:t>
+              <a:t>04/09/23</a:t>
             </a:fld>
             <a:endParaRPr lang="it-IT"/>
           </a:p>
@@ -1294,6 +1305,498 @@
 </p:notes>
 </file>
 
+<file path=ppt/notesSlides/notesSlide2.xml><?xml version="1.0" encoding="utf-8"?>
+<p:notes xmlns:a="http://schemas.openxmlformats.org/drawingml/2006/main" xmlns:r="http://schemas.openxmlformats.org/officeDocument/2006/relationships" xmlns:p="http://schemas.openxmlformats.org/presentationml/2006/main">
+  <p:cSld>
+    <p:spTree>
+      <p:nvGrpSpPr>
+        <p:cNvPr id="1" name=""/>
+        <p:cNvGrpSpPr/>
+        <p:nvPr/>
+      </p:nvGrpSpPr>
+      <p:grpSpPr>
+        <a:xfrm>
+          <a:off x="0" y="0"/>
+          <a:ext cx="0" cy="0"/>
+          <a:chOff x="0" y="0"/>
+          <a:chExt cx="0" cy="0"/>
+        </a:xfrm>
+      </p:grpSpPr>
+      <p:sp>
+        <p:nvSpPr>
+          <p:cNvPr id="2" name="Segnaposto immagine diapositiva 1"/>
+          <p:cNvSpPr>
+            <a:spLocks noGrp="1" noRot="1" noChangeAspect="1"/>
+          </p:cNvSpPr>
+          <p:nvPr>
+            <p:ph type="sldImg"/>
+          </p:nvPr>
+        </p:nvSpPr>
+        <p:spPr/>
+      </p:sp>
+      <p:sp>
+        <p:nvSpPr>
+          <p:cNvPr id="3" name="Segnaposto note 2"/>
+          <p:cNvSpPr>
+            <a:spLocks noGrp="1"/>
+          </p:cNvSpPr>
+          <p:nvPr>
+            <p:ph type="body" idx="1"/>
+          </p:nvPr>
+        </p:nvSpPr>
+        <p:spPr/>
+        <p:txBody>
+          <a:bodyPr/>
+          <a:lstStyle/>
+          <a:p>
+            <a:r>
+              <a:rPr lang="it-IT" dirty="0"/>
+              <a:t>CART</a:t>
+            </a:r>
+          </a:p>
+        </p:txBody>
+      </p:sp>
+      <p:sp>
+        <p:nvSpPr>
+          <p:cNvPr id="4" name="Segnaposto numero diapositiva 3"/>
+          <p:cNvSpPr>
+            <a:spLocks noGrp="1"/>
+          </p:cNvSpPr>
+          <p:nvPr>
+            <p:ph type="sldNum" sz="quarter" idx="5"/>
+          </p:nvPr>
+        </p:nvSpPr>
+        <p:spPr/>
+        <p:txBody>
+          <a:bodyPr/>
+          <a:lstStyle/>
+          <a:p>
+            <a:fld id="{626BD8B6-52DF-1140-B0F8-27DE665983FB}" type="slidenum">
+              <a:rPr lang="it-IT" smtClean="0"/>
+              <a:t>8</a:t>
+            </a:fld>
+            <a:endParaRPr lang="it-IT"/>
+          </a:p>
+        </p:txBody>
+      </p:sp>
+    </p:spTree>
+    <p:extLst>
+      <p:ext uri="{BB962C8B-B14F-4D97-AF65-F5344CB8AC3E}">
+        <p14:creationId xmlns:p14="http://schemas.microsoft.com/office/powerpoint/2010/main" val="1526189351"/>
+      </p:ext>
+    </p:extLst>
+  </p:cSld>
+  <p:clrMapOvr>
+    <a:masterClrMapping/>
+  </p:clrMapOvr>
+</p:notes>
+</file>
+
+<file path=ppt/notesSlides/notesSlide3.xml><?xml version="1.0" encoding="utf-8"?>
+<p:notes xmlns:a="http://schemas.openxmlformats.org/drawingml/2006/main" xmlns:r="http://schemas.openxmlformats.org/officeDocument/2006/relationships" xmlns:p="http://schemas.openxmlformats.org/presentationml/2006/main">
+  <p:cSld>
+    <p:spTree>
+      <p:nvGrpSpPr>
+        <p:cNvPr id="1" name=""/>
+        <p:cNvGrpSpPr/>
+        <p:nvPr/>
+      </p:nvGrpSpPr>
+      <p:grpSpPr>
+        <a:xfrm>
+          <a:off x="0" y="0"/>
+          <a:ext cx="0" cy="0"/>
+          <a:chOff x="0" y="0"/>
+          <a:chExt cx="0" cy="0"/>
+        </a:xfrm>
+      </p:grpSpPr>
+      <p:sp>
+        <p:nvSpPr>
+          <p:cNvPr id="2" name="Segnaposto immagine diapositiva 1"/>
+          <p:cNvSpPr>
+            <a:spLocks noGrp="1" noRot="1" noChangeAspect="1"/>
+          </p:cNvSpPr>
+          <p:nvPr>
+            <p:ph type="sldImg"/>
+          </p:nvPr>
+        </p:nvSpPr>
+        <p:spPr/>
+      </p:sp>
+      <p:sp>
+        <p:nvSpPr>
+          <p:cNvPr id="3" name="Segnaposto note 2"/>
+          <p:cNvSpPr>
+            <a:spLocks noGrp="1"/>
+          </p:cNvSpPr>
+          <p:nvPr>
+            <p:ph type="body" idx="1"/>
+          </p:nvPr>
+        </p:nvSpPr>
+        <p:spPr/>
+        <p:txBody>
+          <a:bodyPr/>
+          <a:lstStyle/>
+          <a:p>
+            <a:r>
+              <a:rPr lang="it-IT" dirty="0"/>
+              <a:t>Non possiamo imparare tutti gli alberi in una volta, strategia additiva. Ad ogni step aggiungiamo l’albero che ci fa minimizzare la funzione di </a:t>
+            </a:r>
+            <a:r>
+              <a:rPr lang="it-IT" dirty="0" err="1"/>
+              <a:t>loss</a:t>
+            </a:r>
+            <a:endParaRPr lang="it-IT" dirty="0"/>
+          </a:p>
+        </p:txBody>
+      </p:sp>
+      <p:sp>
+        <p:nvSpPr>
+          <p:cNvPr id="4" name="Segnaposto numero diapositiva 3"/>
+          <p:cNvSpPr>
+            <a:spLocks noGrp="1"/>
+          </p:cNvSpPr>
+          <p:nvPr>
+            <p:ph type="sldNum" sz="quarter" idx="5"/>
+          </p:nvPr>
+        </p:nvSpPr>
+        <p:spPr/>
+        <p:txBody>
+          <a:bodyPr/>
+          <a:lstStyle/>
+          <a:p>
+            <a:fld id="{626BD8B6-52DF-1140-B0F8-27DE665983FB}" type="slidenum">
+              <a:rPr lang="it-IT" smtClean="0"/>
+              <a:t>10</a:t>
+            </a:fld>
+            <a:endParaRPr lang="it-IT"/>
+          </a:p>
+        </p:txBody>
+      </p:sp>
+    </p:spTree>
+    <p:extLst>
+      <p:ext uri="{BB962C8B-B14F-4D97-AF65-F5344CB8AC3E}">
+        <p14:creationId xmlns:p14="http://schemas.microsoft.com/office/powerpoint/2010/main" val="1130305764"/>
+      </p:ext>
+    </p:extLst>
+  </p:cSld>
+  <p:clrMapOvr>
+    <a:masterClrMapping/>
+  </p:clrMapOvr>
+</p:notes>
+</file>
+
+<file path=ppt/notesSlides/notesSlide4.xml><?xml version="1.0" encoding="utf-8"?>
+<p:notes xmlns:a="http://schemas.openxmlformats.org/drawingml/2006/main" xmlns:r="http://schemas.openxmlformats.org/officeDocument/2006/relationships" xmlns:p="http://schemas.openxmlformats.org/presentationml/2006/main">
+  <p:cSld>
+    <p:spTree>
+      <p:nvGrpSpPr>
+        <p:cNvPr id="1" name=""/>
+        <p:cNvGrpSpPr/>
+        <p:nvPr/>
+      </p:nvGrpSpPr>
+      <p:grpSpPr>
+        <a:xfrm>
+          <a:off x="0" y="0"/>
+          <a:ext cx="0" cy="0"/>
+          <a:chOff x="0" y="0"/>
+          <a:chExt cx="0" cy="0"/>
+        </a:xfrm>
+      </p:grpSpPr>
+      <p:sp>
+        <p:nvSpPr>
+          <p:cNvPr id="2" name="Segnaposto immagine diapositiva 1"/>
+          <p:cNvSpPr>
+            <a:spLocks noGrp="1" noRot="1" noChangeAspect="1"/>
+          </p:cNvSpPr>
+          <p:nvPr>
+            <p:ph type="sldImg"/>
+          </p:nvPr>
+        </p:nvSpPr>
+        <p:spPr/>
+      </p:sp>
+      <p:sp>
+        <p:nvSpPr>
+          <p:cNvPr id="3" name="Segnaposto note 2"/>
+          <p:cNvSpPr>
+            <a:spLocks noGrp="1"/>
+          </p:cNvSpPr>
+          <p:nvPr>
+            <p:ph type="body" idx="1"/>
+          </p:nvPr>
+        </p:nvSpPr>
+        <p:spPr/>
+        <p:txBody>
+          <a:bodyPr/>
+          <a:lstStyle/>
+          <a:p>
+            <a:r>
+              <a:rPr lang="it-IT" dirty="0"/>
+              <a:t>Con MSE abbiamo un termine del primo ordine (solitamente chiamato residuo) e un termine quadratico</a:t>
+            </a:r>
+          </a:p>
+        </p:txBody>
+      </p:sp>
+      <p:sp>
+        <p:nvSpPr>
+          <p:cNvPr id="4" name="Segnaposto numero diapositiva 3"/>
+          <p:cNvSpPr>
+            <a:spLocks noGrp="1"/>
+          </p:cNvSpPr>
+          <p:nvPr>
+            <p:ph type="sldNum" sz="quarter" idx="5"/>
+          </p:nvPr>
+        </p:nvSpPr>
+        <p:spPr/>
+        <p:txBody>
+          <a:bodyPr/>
+          <a:lstStyle/>
+          <a:p>
+            <a:fld id="{626BD8B6-52DF-1140-B0F8-27DE665983FB}" type="slidenum">
+              <a:rPr lang="it-IT" smtClean="0"/>
+              <a:t>11</a:t>
+            </a:fld>
+            <a:endParaRPr lang="it-IT"/>
+          </a:p>
+        </p:txBody>
+      </p:sp>
+    </p:spTree>
+    <p:extLst>
+      <p:ext uri="{BB962C8B-B14F-4D97-AF65-F5344CB8AC3E}">
+        <p14:creationId xmlns:p14="http://schemas.microsoft.com/office/powerpoint/2010/main" val="3658971436"/>
+      </p:ext>
+    </p:extLst>
+  </p:cSld>
+  <p:clrMapOvr>
+    <a:masterClrMapping/>
+  </p:clrMapOvr>
+</p:notes>
+</file>
+
+<file path=ppt/notesSlides/notesSlide5.xml><?xml version="1.0" encoding="utf-8"?>
+<p:notes xmlns:a="http://schemas.openxmlformats.org/drawingml/2006/main" xmlns:r="http://schemas.openxmlformats.org/officeDocument/2006/relationships" xmlns:p="http://schemas.openxmlformats.org/presentationml/2006/main">
+  <p:cSld>
+    <p:spTree>
+      <p:nvGrpSpPr>
+        <p:cNvPr id="1" name=""/>
+        <p:cNvGrpSpPr/>
+        <p:nvPr/>
+      </p:nvGrpSpPr>
+      <p:grpSpPr>
+        <a:xfrm>
+          <a:off x="0" y="0"/>
+          <a:ext cx="0" cy="0"/>
+          <a:chOff x="0" y="0"/>
+          <a:chExt cx="0" cy="0"/>
+        </a:xfrm>
+      </p:grpSpPr>
+      <p:sp>
+        <p:nvSpPr>
+          <p:cNvPr id="2" name="Segnaposto immagine diapositiva 1"/>
+          <p:cNvSpPr>
+            <a:spLocks noGrp="1" noRot="1" noChangeAspect="1"/>
+          </p:cNvSpPr>
+          <p:nvPr>
+            <p:ph type="sldImg"/>
+          </p:nvPr>
+        </p:nvSpPr>
+        <p:spPr/>
+      </p:sp>
+      <p:sp>
+        <p:nvSpPr>
+          <p:cNvPr id="3" name="Segnaposto note 2"/>
+          <p:cNvSpPr>
+            <a:spLocks noGrp="1"/>
+          </p:cNvSpPr>
+          <p:nvPr>
+            <p:ph type="body" idx="1"/>
+          </p:nvPr>
+        </p:nvSpPr>
+        <p:spPr/>
+        <p:txBody>
+          <a:bodyPr/>
+          <a:lstStyle/>
+          <a:p>
+            <a:r>
+              <a:rPr lang="it-IT" dirty="0"/>
+              <a:t>Nel caso generale prendiamo l’espansione di </a:t>
+            </a:r>
+            <a:r>
+              <a:rPr lang="it-IT" dirty="0" err="1"/>
+              <a:t>taylor</a:t>
+            </a:r>
+            <a:r>
+              <a:rPr lang="it-IT" dirty="0"/>
+              <a:t> del secondo ordine, rimangono le due derivate. La </a:t>
+            </a:r>
+            <a:r>
+              <a:rPr lang="it-IT" dirty="0" err="1"/>
+              <a:t>loss</a:t>
+            </a:r>
+            <a:r>
+              <a:rPr lang="it-IT" dirty="0"/>
+              <a:t> può essere qualsiasi, prendo in input solo g e h</a:t>
+            </a:r>
+          </a:p>
+        </p:txBody>
+      </p:sp>
+      <p:sp>
+        <p:nvSpPr>
+          <p:cNvPr id="4" name="Segnaposto numero diapositiva 3"/>
+          <p:cNvSpPr>
+            <a:spLocks noGrp="1"/>
+          </p:cNvSpPr>
+          <p:nvPr>
+            <p:ph type="sldNum" sz="quarter" idx="5"/>
+          </p:nvPr>
+        </p:nvSpPr>
+        <p:spPr/>
+        <p:txBody>
+          <a:bodyPr/>
+          <a:lstStyle/>
+          <a:p>
+            <a:fld id="{626BD8B6-52DF-1140-B0F8-27DE665983FB}" type="slidenum">
+              <a:rPr lang="it-IT" smtClean="0"/>
+              <a:t>12</a:t>
+            </a:fld>
+            <a:endParaRPr lang="it-IT"/>
+          </a:p>
+        </p:txBody>
+      </p:sp>
+    </p:spTree>
+    <p:extLst>
+      <p:ext uri="{BB962C8B-B14F-4D97-AF65-F5344CB8AC3E}">
+        <p14:creationId xmlns:p14="http://schemas.microsoft.com/office/powerpoint/2010/main" val="3012131674"/>
+      </p:ext>
+    </p:extLst>
+  </p:cSld>
+  <p:clrMapOvr>
+    <a:masterClrMapping/>
+  </p:clrMapOvr>
+</p:notes>
+</file>
+
+<file path=ppt/notesSlides/notesSlide6.xml><?xml version="1.0" encoding="utf-8"?>
+<p:notes xmlns:a="http://schemas.openxmlformats.org/drawingml/2006/main" xmlns:r="http://schemas.openxmlformats.org/officeDocument/2006/relationships" xmlns:p="http://schemas.openxmlformats.org/presentationml/2006/main">
+  <p:cSld>
+    <p:spTree>
+      <p:nvGrpSpPr>
+        <p:cNvPr id="1" name=""/>
+        <p:cNvGrpSpPr/>
+        <p:nvPr/>
+      </p:nvGrpSpPr>
+      <p:grpSpPr>
+        <a:xfrm>
+          <a:off x="0" y="0"/>
+          <a:ext cx="0" cy="0"/>
+          <a:chOff x="0" y="0"/>
+          <a:chExt cx="0" cy="0"/>
+        </a:xfrm>
+      </p:grpSpPr>
+      <p:sp>
+        <p:nvSpPr>
+          <p:cNvPr id="2" name="Segnaposto immagine diapositiva 1"/>
+          <p:cNvSpPr>
+            <a:spLocks noGrp="1" noRot="1" noChangeAspect="1"/>
+          </p:cNvSpPr>
+          <p:nvPr>
+            <p:ph type="sldImg"/>
+          </p:nvPr>
+        </p:nvSpPr>
+        <p:spPr/>
+      </p:sp>
+      <p:sp>
+        <p:nvSpPr>
+          <p:cNvPr id="3" name="Segnaposto note 2"/>
+          <p:cNvSpPr>
+            <a:spLocks noGrp="1"/>
+          </p:cNvSpPr>
+          <p:nvPr>
+            <p:ph type="body" idx="1"/>
+          </p:nvPr>
+        </p:nvSpPr>
+        <p:spPr/>
+        <p:txBody>
+          <a:bodyPr/>
+          <a:lstStyle/>
+          <a:p>
+            <a:r>
+              <a:rPr lang="it-IT" dirty="0" err="1"/>
+              <a:t>w</a:t>
+            </a:r>
+            <a:r>
+              <a:rPr lang="it-IT" dirty="0"/>
+              <a:t> </a:t>
+            </a:r>
+            <a:r>
+              <a:rPr lang="it-IT" dirty="0" err="1"/>
+              <a:t>is</a:t>
+            </a:r>
+            <a:r>
+              <a:rPr lang="it-IT" dirty="0"/>
+              <a:t> </a:t>
+            </a:r>
+            <a:r>
+              <a:rPr lang="it-IT" dirty="0" err="1"/>
+              <a:t>vector</a:t>
+            </a:r>
+            <a:r>
+              <a:rPr lang="it-IT" dirty="0"/>
+              <a:t> of scores on </a:t>
+            </a:r>
+            <a:r>
+              <a:rPr lang="it-IT" dirty="0" err="1"/>
+              <a:t>leaves</a:t>
+            </a:r>
+            <a:r>
+              <a:rPr lang="it-IT" dirty="0"/>
+              <a:t>, </a:t>
+            </a:r>
+            <a:r>
+              <a:rPr lang="it-IT" dirty="0" err="1"/>
+              <a:t>q</a:t>
+            </a:r>
+            <a:r>
+              <a:rPr lang="it-IT" dirty="0"/>
+              <a:t> assegna ogni punto alla foglia corrispondente </a:t>
+            </a:r>
+          </a:p>
+        </p:txBody>
+      </p:sp>
+      <p:sp>
+        <p:nvSpPr>
+          <p:cNvPr id="4" name="Segnaposto numero diapositiva 3"/>
+          <p:cNvSpPr>
+            <a:spLocks noGrp="1"/>
+          </p:cNvSpPr>
+          <p:nvPr>
+            <p:ph type="sldNum" sz="quarter" idx="5"/>
+          </p:nvPr>
+        </p:nvSpPr>
+        <p:spPr/>
+        <p:txBody>
+          <a:bodyPr/>
+          <a:lstStyle/>
+          <a:p>
+            <a:fld id="{626BD8B6-52DF-1140-B0F8-27DE665983FB}" type="slidenum">
+              <a:rPr lang="it-IT" smtClean="0"/>
+              <a:t>13</a:t>
+            </a:fld>
+            <a:endParaRPr lang="it-IT"/>
+          </a:p>
+        </p:txBody>
+      </p:sp>
+    </p:spTree>
+    <p:extLst>
+      <p:ext uri="{BB962C8B-B14F-4D97-AF65-F5344CB8AC3E}">
+        <p14:creationId xmlns:p14="http://schemas.microsoft.com/office/powerpoint/2010/main" val="3298455840"/>
+      </p:ext>
+    </p:extLst>
+  </p:cSld>
+  <p:clrMapOvr>
+    <a:masterClrMapping/>
+  </p:clrMapOvr>
+</p:notes>
+</file>
+
 <file path=ppt/slideLayouts/slideLayout1.xml><?xml version="1.0" encoding="utf-8"?>
 <p:sldLayout xmlns:a="http://schemas.openxmlformats.org/drawingml/2006/main" xmlns:r="http://schemas.openxmlformats.org/officeDocument/2006/relationships" xmlns:p="http://schemas.openxmlformats.org/presentationml/2006/main" type="title" preserve="1">
   <p:cSld name="Diapositiva titolo">
@@ -1441,7 +1944,7 @@
           <a:p>
             <a:fld id="{8126F821-180C-F748-9ECA-A7E4DE0A3C3C}" type="datetimeFigureOut">
               <a:rPr lang="it-IT" smtClean="0"/>
-              <a:t>23/08/23</a:t>
+              <a:t>04/09/23</a:t>
             </a:fld>
             <a:endParaRPr lang="it-IT"/>
           </a:p>
@@ -1639,7 +2142,7 @@
           <a:p>
             <a:fld id="{8126F821-180C-F748-9ECA-A7E4DE0A3C3C}" type="datetimeFigureOut">
               <a:rPr lang="it-IT" smtClean="0"/>
-              <a:t>23/08/23</a:t>
+              <a:t>04/09/23</a:t>
             </a:fld>
             <a:endParaRPr lang="it-IT"/>
           </a:p>
@@ -1847,7 +2350,7 @@
           <a:p>
             <a:fld id="{8126F821-180C-F748-9ECA-A7E4DE0A3C3C}" type="datetimeFigureOut">
               <a:rPr lang="it-IT" smtClean="0"/>
-              <a:t>23/08/23</a:t>
+              <a:t>04/09/23</a:t>
             </a:fld>
             <a:endParaRPr lang="it-IT"/>
           </a:p>
@@ -2045,7 +2548,7 @@
           <a:p>
             <a:fld id="{8126F821-180C-F748-9ECA-A7E4DE0A3C3C}" type="datetimeFigureOut">
               <a:rPr lang="it-IT" smtClean="0"/>
-              <a:t>23/08/23</a:t>
+              <a:t>04/09/23</a:t>
             </a:fld>
             <a:endParaRPr lang="it-IT"/>
           </a:p>
@@ -2320,7 +2823,7 @@
           <a:p>
             <a:fld id="{8126F821-180C-F748-9ECA-A7E4DE0A3C3C}" type="datetimeFigureOut">
               <a:rPr lang="it-IT" smtClean="0"/>
-              <a:t>23/08/23</a:t>
+              <a:t>04/09/23</a:t>
             </a:fld>
             <a:endParaRPr lang="it-IT"/>
           </a:p>
@@ -2585,7 +3088,7 @@
           <a:p>
             <a:fld id="{8126F821-180C-F748-9ECA-A7E4DE0A3C3C}" type="datetimeFigureOut">
               <a:rPr lang="it-IT" smtClean="0"/>
-              <a:t>23/08/23</a:t>
+              <a:t>04/09/23</a:t>
             </a:fld>
             <a:endParaRPr lang="it-IT"/>
           </a:p>
@@ -2997,7 +3500,7 @@
           <a:p>
             <a:fld id="{8126F821-180C-F748-9ECA-A7E4DE0A3C3C}" type="datetimeFigureOut">
               <a:rPr lang="it-IT" smtClean="0"/>
-              <a:t>23/08/23</a:t>
+              <a:t>04/09/23</a:t>
             </a:fld>
             <a:endParaRPr lang="it-IT"/>
           </a:p>
@@ -3138,7 +3641,7 @@
           <a:p>
             <a:fld id="{8126F821-180C-F748-9ECA-A7E4DE0A3C3C}" type="datetimeFigureOut">
               <a:rPr lang="it-IT" smtClean="0"/>
-              <a:t>23/08/23</a:t>
+              <a:t>04/09/23</a:t>
             </a:fld>
             <a:endParaRPr lang="it-IT"/>
           </a:p>
@@ -3251,7 +3754,7 @@
           <a:p>
             <a:fld id="{8126F821-180C-F748-9ECA-A7E4DE0A3C3C}" type="datetimeFigureOut">
               <a:rPr lang="it-IT" smtClean="0"/>
-              <a:t>23/08/23</a:t>
+              <a:t>04/09/23</a:t>
             </a:fld>
             <a:endParaRPr lang="it-IT"/>
           </a:p>
@@ -3562,7 +4065,7 @@
           <a:p>
             <a:fld id="{8126F821-180C-F748-9ECA-A7E4DE0A3C3C}" type="datetimeFigureOut">
               <a:rPr lang="it-IT" smtClean="0"/>
-              <a:t>23/08/23</a:t>
+              <a:t>04/09/23</a:t>
             </a:fld>
             <a:endParaRPr lang="it-IT"/>
           </a:p>
@@ -3850,7 +4353,7 @@
           <a:p>
             <a:fld id="{8126F821-180C-F748-9ECA-A7E4DE0A3C3C}" type="datetimeFigureOut">
               <a:rPr lang="it-IT" smtClean="0"/>
-              <a:t>23/08/23</a:t>
+              <a:t>04/09/23</a:t>
             </a:fld>
             <a:endParaRPr lang="it-IT"/>
           </a:p>
@@ -4091,7 +4594,7 @@
           <a:p>
             <a:fld id="{8126F821-180C-F748-9ECA-A7E4DE0A3C3C}" type="datetimeFigureOut">
               <a:rPr lang="it-IT" smtClean="0"/>
-              <a:t>23/08/23</a:t>
+              <a:t>04/09/23</a:t>
             </a:fld>
             <a:endParaRPr lang="it-IT"/>
           </a:p>
@@ -4641,97 +5144,7 @@
                 </a:solidFill>
                 <a:latin typeface="Lato" panose="020F0502020204030203" pitchFamily="34" charset="0"/>
               </a:rPr>
-              <a:t>M</a:t>
-            </a:r>
-            <a:r>
-              <a:rPr lang="it-IT" sz="3400" b="0" i="0" u="none" strike="noStrike" dirty="0">
-                <a:solidFill>
-                  <a:srgbClr val="404040"/>
-                </a:solidFill>
-                <a:effectLst/>
-                <a:latin typeface="Lato" panose="020F0502020204030203" pitchFamily="34" charset="0"/>
-              </a:rPr>
-              <a:t>odel </a:t>
-            </a:r>
-            <a:r>
-              <a:rPr lang="it-IT" sz="3400" b="0" i="0" u="none" strike="noStrike" dirty="0" err="1">
-                <a:solidFill>
-                  <a:srgbClr val="404040"/>
-                </a:solidFill>
-                <a:effectLst/>
-                <a:latin typeface="Lato" panose="020F0502020204030203" pitchFamily="34" charset="0"/>
-              </a:rPr>
-              <a:t>choice</a:t>
-            </a:r>
-            <a:r>
-              <a:rPr lang="it-IT" sz="3400" b="0" i="0" u="none" strike="noStrike" dirty="0">
-                <a:solidFill>
-                  <a:srgbClr val="404040"/>
-                </a:solidFill>
-                <a:effectLst/>
-                <a:latin typeface="Lato" panose="020F0502020204030203" pitchFamily="34" charset="0"/>
-              </a:rPr>
-              <a:t> of </a:t>
-            </a:r>
-            <a:r>
-              <a:rPr lang="it-IT" sz="3400" b="0" i="0" u="none" strike="noStrike" dirty="0" err="1">
-                <a:solidFill>
-                  <a:srgbClr val="404040"/>
-                </a:solidFill>
-                <a:effectLst/>
-                <a:latin typeface="Lato" panose="020F0502020204030203" pitchFamily="34" charset="0"/>
-              </a:rPr>
-              <a:t>XGBoost</a:t>
-            </a:r>
-            <a:r>
-              <a:rPr lang="it-IT" sz="3400" b="0" i="0" u="none" strike="noStrike" dirty="0">
-                <a:solidFill>
-                  <a:srgbClr val="404040"/>
-                </a:solidFill>
-                <a:effectLst/>
-                <a:latin typeface="Lato" panose="020F0502020204030203" pitchFamily="34" charset="0"/>
-              </a:rPr>
-              <a:t>: </a:t>
-            </a:r>
-            <a:r>
-              <a:rPr lang="it-IT" sz="3400" b="1" i="0" u="none" strike="noStrike" dirty="0" err="1">
-                <a:solidFill>
-                  <a:srgbClr val="404040"/>
-                </a:solidFill>
-                <a:effectLst/>
-                <a:latin typeface="Lato" panose="020F0502020204030203" pitchFamily="34" charset="0"/>
-              </a:rPr>
-              <a:t>decision</a:t>
-            </a:r>
-            <a:r>
-              <a:rPr lang="it-IT" sz="3400" b="1" i="0" u="none" strike="noStrike" dirty="0">
-                <a:solidFill>
-                  <a:srgbClr val="404040"/>
-                </a:solidFill>
-                <a:effectLst/>
-                <a:latin typeface="Lato" panose="020F0502020204030203" pitchFamily="34" charset="0"/>
-              </a:rPr>
-              <a:t> </a:t>
-            </a:r>
-            <a:r>
-              <a:rPr lang="it-IT" sz="3400" b="1" i="0" u="none" strike="noStrike" dirty="0" err="1">
-                <a:solidFill>
-                  <a:srgbClr val="404040"/>
-                </a:solidFill>
-                <a:effectLst/>
-                <a:latin typeface="Lato" panose="020F0502020204030203" pitchFamily="34" charset="0"/>
-              </a:rPr>
-              <a:t>tree</a:t>
-            </a:r>
-            <a:r>
-              <a:rPr lang="it-IT" sz="3400" b="1" i="0" u="none" strike="noStrike" dirty="0">
-                <a:solidFill>
-                  <a:srgbClr val="404040"/>
-                </a:solidFill>
-                <a:effectLst/>
-                <a:latin typeface="Lato" panose="020F0502020204030203" pitchFamily="34" charset="0"/>
-              </a:rPr>
-              <a:t> ensembles</a:t>
+              <a:t>Additive training</a:t>
             </a:r>
             <a:endParaRPr lang="it-IT" sz="3400" dirty="0"/>
           </a:p>
@@ -4754,7 +5167,7 @@
           </p:nvPr>
         </p:nvPicPr>
         <p:blipFill>
-          <a:blip r:embed="rId2"/>
+          <a:blip r:embed="rId3"/>
           <a:stretch>
             <a:fillRect/>
           </a:stretch>
@@ -4825,103 +5238,31 @@
           <a:lstStyle/>
           <a:p>
             <a:r>
+              <a:rPr lang="it-IT" sz="3400" dirty="0" err="1">
+                <a:solidFill>
+                  <a:srgbClr val="404040"/>
+                </a:solidFill>
+                <a:latin typeface="Lato" panose="020F0502020204030203" pitchFamily="34" charset="0"/>
+              </a:rPr>
+              <a:t>Objective</a:t>
+            </a:r>
+            <a:r>
               <a:rPr lang="it-IT" sz="3400" dirty="0">
                 <a:solidFill>
                   <a:srgbClr val="404040"/>
                 </a:solidFill>
                 <a:latin typeface="Lato" panose="020F0502020204030203" pitchFamily="34" charset="0"/>
               </a:rPr>
-              <a:t>M</a:t>
-            </a:r>
-            <a:r>
-              <a:rPr lang="it-IT" sz="3400" b="0" i="0" u="none" strike="noStrike" dirty="0">
-                <a:solidFill>
-                  <a:srgbClr val="404040"/>
-                </a:solidFill>
-                <a:effectLst/>
-                <a:latin typeface="Lato" panose="020F0502020204030203" pitchFamily="34" charset="0"/>
-              </a:rPr>
-              <a:t>odel </a:t>
-            </a:r>
-            <a:r>
-              <a:rPr lang="it-IT" sz="3400" b="0" i="0" u="none" strike="noStrike" dirty="0" err="1">
-                <a:solidFill>
-                  <a:srgbClr val="404040"/>
-                </a:solidFill>
-                <a:effectLst/>
-                <a:latin typeface="Lato" panose="020F0502020204030203" pitchFamily="34" charset="0"/>
-              </a:rPr>
-              <a:t>choice</a:t>
-            </a:r>
-            <a:r>
-              <a:rPr lang="it-IT" sz="3400" b="0" i="0" u="none" strike="noStrike" dirty="0">
-                <a:solidFill>
-                  <a:srgbClr val="404040"/>
-                </a:solidFill>
-                <a:effectLst/>
-                <a:latin typeface="Lato" panose="020F0502020204030203" pitchFamily="34" charset="0"/>
-              </a:rPr>
-              <a:t> of </a:t>
-            </a:r>
-            <a:r>
-              <a:rPr lang="it-IT" sz="3400" b="0" i="0" u="none" strike="noStrike" dirty="0" err="1">
-                <a:solidFill>
-                  <a:srgbClr val="404040"/>
-                </a:solidFill>
-                <a:effectLst/>
-                <a:latin typeface="Lato" panose="020F0502020204030203" pitchFamily="34" charset="0"/>
-              </a:rPr>
-              <a:t>XGBoost</a:t>
-            </a:r>
-            <a:r>
-              <a:rPr lang="it-IT" sz="3400" b="0" i="0" u="none" strike="noStrike" dirty="0">
-                <a:solidFill>
-                  <a:srgbClr val="404040"/>
-                </a:solidFill>
-                <a:effectLst/>
-                <a:latin typeface="Lato" panose="020F0502020204030203" pitchFamily="34" charset="0"/>
-              </a:rPr>
-              <a:t>: </a:t>
-            </a:r>
-            <a:r>
-              <a:rPr lang="it-IT" sz="3400" b="1" i="0" u="none" strike="noStrike" dirty="0" err="1">
-                <a:solidFill>
-                  <a:srgbClr val="404040"/>
-                </a:solidFill>
-                <a:effectLst/>
-                <a:latin typeface="Lato" panose="020F0502020204030203" pitchFamily="34" charset="0"/>
-              </a:rPr>
-              <a:t>decision</a:t>
-            </a:r>
-            <a:r>
-              <a:rPr lang="it-IT" sz="3400" b="1" i="0" u="none" strike="noStrike" dirty="0">
-                <a:solidFill>
-                  <a:srgbClr val="404040"/>
-                </a:solidFill>
-                <a:effectLst/>
-                <a:latin typeface="Lato" panose="020F0502020204030203" pitchFamily="34" charset="0"/>
-              </a:rPr>
               <a:t> </a:t>
             </a:r>
             <a:r>
-              <a:rPr lang="it-IT" sz="3400" b="1" i="0" u="none" strike="noStrike" dirty="0" err="1">
-                <a:solidFill>
-                  <a:srgbClr val="404040"/>
-                </a:solidFill>
-                <a:effectLst/>
-                <a:latin typeface="Lato" panose="020F0502020204030203" pitchFamily="34" charset="0"/>
-              </a:rPr>
-              <a:t>tree</a:t>
-            </a:r>
-            <a:r>
-              <a:rPr lang="it-IT" sz="3400" b="1" i="0" u="none" strike="noStrike" dirty="0">
-                <a:solidFill>
-                  <a:srgbClr val="404040"/>
-                </a:solidFill>
-                <a:effectLst/>
-                <a:latin typeface="Lato" panose="020F0502020204030203" pitchFamily="34" charset="0"/>
-              </a:rPr>
-              <a:t> ensembles</a:t>
+              <a:rPr lang="it-IT" sz="3400" dirty="0" err="1">
+                <a:solidFill>
+                  <a:srgbClr val="404040"/>
+                </a:solidFill>
+                <a:latin typeface="Lato" panose="020F0502020204030203" pitchFamily="34" charset="0"/>
+              </a:rPr>
+              <a:t>function</a:t>
             </a:r>
             <a:endParaRPr lang="it-IT" sz="3400" dirty="0"/>
           </a:p>
@@ -4942,7 +5283,7 @@
           <p:nvPr/>
         </p:nvPicPr>
         <p:blipFill>
-          <a:blip r:embed="rId2"/>
+          <a:blip r:embed="rId3"/>
           <a:stretch>
             <a:fillRect/>
           </a:stretch>
@@ -5016,103 +5357,31 @@
           <a:lstStyle/>
           <a:p>
             <a:r>
+              <a:rPr lang="it-IT" sz="3400" dirty="0" err="1">
+                <a:solidFill>
+                  <a:srgbClr val="404040"/>
+                </a:solidFill>
+                <a:latin typeface="Lato" panose="020F0502020204030203" pitchFamily="34" charset="0"/>
+              </a:rPr>
+              <a:t>Objective</a:t>
+            </a:r>
+            <a:r>
               <a:rPr lang="it-IT" sz="3400" dirty="0">
                 <a:solidFill>
                   <a:srgbClr val="404040"/>
                 </a:solidFill>
                 <a:latin typeface="Lato" panose="020F0502020204030203" pitchFamily="34" charset="0"/>
               </a:rPr>
-              <a:t>M</a:t>
-            </a:r>
-            <a:r>
-              <a:rPr lang="it-IT" sz="3400" b="0" i="0" u="none" strike="noStrike" dirty="0">
-                <a:solidFill>
-                  <a:srgbClr val="404040"/>
-                </a:solidFill>
-                <a:effectLst/>
-                <a:latin typeface="Lato" panose="020F0502020204030203" pitchFamily="34" charset="0"/>
-              </a:rPr>
-              <a:t>odel </a:t>
-            </a:r>
-            <a:r>
-              <a:rPr lang="it-IT" sz="3400" b="0" i="0" u="none" strike="noStrike" dirty="0" err="1">
-                <a:solidFill>
-                  <a:srgbClr val="404040"/>
-                </a:solidFill>
-                <a:effectLst/>
-                <a:latin typeface="Lato" panose="020F0502020204030203" pitchFamily="34" charset="0"/>
-              </a:rPr>
-              <a:t>choice</a:t>
-            </a:r>
-            <a:r>
-              <a:rPr lang="it-IT" sz="3400" b="0" i="0" u="none" strike="noStrike" dirty="0">
-                <a:solidFill>
-                  <a:srgbClr val="404040"/>
-                </a:solidFill>
-                <a:effectLst/>
-                <a:latin typeface="Lato" panose="020F0502020204030203" pitchFamily="34" charset="0"/>
-              </a:rPr>
-              <a:t> of </a:t>
-            </a:r>
-            <a:r>
-              <a:rPr lang="it-IT" sz="3400" b="0" i="0" u="none" strike="noStrike" dirty="0" err="1">
-                <a:solidFill>
-                  <a:srgbClr val="404040"/>
-                </a:solidFill>
-                <a:effectLst/>
-                <a:latin typeface="Lato" panose="020F0502020204030203" pitchFamily="34" charset="0"/>
-              </a:rPr>
-              <a:t>XGBoost</a:t>
-            </a:r>
-            <a:r>
-              <a:rPr lang="it-IT" sz="3400" b="0" i="0" u="none" strike="noStrike" dirty="0">
-                <a:solidFill>
-                  <a:srgbClr val="404040"/>
-                </a:solidFill>
-                <a:effectLst/>
-                <a:latin typeface="Lato" panose="020F0502020204030203" pitchFamily="34" charset="0"/>
-              </a:rPr>
-              <a:t>: </a:t>
-            </a:r>
-            <a:r>
-              <a:rPr lang="it-IT" sz="3400" b="1" i="0" u="none" strike="noStrike" dirty="0" err="1">
-                <a:solidFill>
-                  <a:srgbClr val="404040"/>
-                </a:solidFill>
-                <a:effectLst/>
-                <a:latin typeface="Lato" panose="020F0502020204030203" pitchFamily="34" charset="0"/>
-              </a:rPr>
-              <a:t>decision</a:t>
-            </a:r>
-            <a:r>
-              <a:rPr lang="it-IT" sz="3400" b="1" i="0" u="none" strike="noStrike" dirty="0">
-                <a:solidFill>
-                  <a:srgbClr val="404040"/>
-                </a:solidFill>
-                <a:effectLst/>
-                <a:latin typeface="Lato" panose="020F0502020204030203" pitchFamily="34" charset="0"/>
-              </a:rPr>
               <a:t> </a:t>
             </a:r>
             <a:r>
-              <a:rPr lang="it-IT" sz="3400" b="1" i="0" u="none" strike="noStrike" dirty="0" err="1">
-                <a:solidFill>
-                  <a:srgbClr val="404040"/>
-                </a:solidFill>
-                <a:effectLst/>
-                <a:latin typeface="Lato" panose="020F0502020204030203" pitchFamily="34" charset="0"/>
-              </a:rPr>
-              <a:t>tree</a:t>
-            </a:r>
-            <a:r>
-              <a:rPr lang="it-IT" sz="3400" b="1" i="0" u="none" strike="noStrike" dirty="0">
-                <a:solidFill>
-                  <a:srgbClr val="404040"/>
-                </a:solidFill>
-                <a:effectLst/>
-                <a:latin typeface="Lato" panose="020F0502020204030203" pitchFamily="34" charset="0"/>
-              </a:rPr>
-              <a:t> ensembles</a:t>
+              <a:rPr lang="it-IT" sz="3400" dirty="0" err="1">
+                <a:solidFill>
+                  <a:srgbClr val="404040"/>
+                </a:solidFill>
+                <a:latin typeface="Lato" panose="020F0502020204030203" pitchFamily="34" charset="0"/>
+              </a:rPr>
+              <a:t>function</a:t>
             </a:r>
             <a:endParaRPr lang="it-IT" sz="3400" dirty="0"/>
           </a:p>
@@ -5133,7 +5402,7 @@
           <p:nvPr/>
         </p:nvPicPr>
         <p:blipFill>
-          <a:blip r:embed="rId2"/>
+          <a:blip r:embed="rId3"/>
           <a:stretch>
             <a:fillRect/>
           </a:stretch>
@@ -5213,97 +5482,16 @@
                 </a:solidFill>
                 <a:latin typeface="Lato" panose="020F0502020204030203" pitchFamily="34" charset="0"/>
               </a:rPr>
-              <a:t>M</a:t>
-            </a:r>
-            <a:r>
-              <a:rPr lang="it-IT" sz="3400" b="0" i="0" u="none" strike="noStrike" dirty="0">
-                <a:solidFill>
-                  <a:srgbClr val="404040"/>
-                </a:solidFill>
-                <a:effectLst/>
-                <a:latin typeface="Lato" panose="020F0502020204030203" pitchFamily="34" charset="0"/>
-              </a:rPr>
-              <a:t>odel </a:t>
-            </a:r>
-            <a:r>
-              <a:rPr lang="it-IT" sz="3400" b="0" i="0" u="none" strike="noStrike" dirty="0" err="1">
-                <a:solidFill>
-                  <a:srgbClr val="404040"/>
-                </a:solidFill>
-                <a:effectLst/>
-                <a:latin typeface="Lato" panose="020F0502020204030203" pitchFamily="34" charset="0"/>
-              </a:rPr>
-              <a:t>choice</a:t>
-            </a:r>
-            <a:r>
-              <a:rPr lang="it-IT" sz="3400" b="0" i="0" u="none" strike="noStrike" dirty="0">
-                <a:solidFill>
-                  <a:srgbClr val="404040"/>
-                </a:solidFill>
-                <a:effectLst/>
-                <a:latin typeface="Lato" panose="020F0502020204030203" pitchFamily="34" charset="0"/>
-              </a:rPr>
-              <a:t> of </a:t>
-            </a:r>
-            <a:r>
-              <a:rPr lang="it-IT" sz="3400" b="0" i="0" u="none" strike="noStrike" dirty="0" err="1">
-                <a:solidFill>
-                  <a:srgbClr val="404040"/>
-                </a:solidFill>
-                <a:effectLst/>
-                <a:latin typeface="Lato" panose="020F0502020204030203" pitchFamily="34" charset="0"/>
-              </a:rPr>
-              <a:t>XGBoost</a:t>
-            </a:r>
-            <a:r>
-              <a:rPr lang="it-IT" sz="3400" b="0" i="0" u="none" strike="noStrike" dirty="0">
-                <a:solidFill>
-                  <a:srgbClr val="404040"/>
-                </a:solidFill>
-                <a:effectLst/>
-                <a:latin typeface="Lato" panose="020F0502020204030203" pitchFamily="34" charset="0"/>
-              </a:rPr>
-              <a:t>: </a:t>
-            </a:r>
-            <a:r>
-              <a:rPr lang="it-IT" sz="3400" b="1" i="0" u="none" strike="noStrike" dirty="0" err="1">
-                <a:solidFill>
-                  <a:srgbClr val="404040"/>
-                </a:solidFill>
-                <a:effectLst/>
-                <a:latin typeface="Lato" panose="020F0502020204030203" pitchFamily="34" charset="0"/>
-              </a:rPr>
-              <a:t>decision</a:t>
-            </a:r>
-            <a:r>
-              <a:rPr lang="it-IT" sz="3400" b="1" i="0" u="none" strike="noStrike" dirty="0">
-                <a:solidFill>
-                  <a:srgbClr val="404040"/>
-                </a:solidFill>
-                <a:effectLst/>
-                <a:latin typeface="Lato" panose="020F0502020204030203" pitchFamily="34" charset="0"/>
-              </a:rPr>
-              <a:t> </a:t>
-            </a:r>
-            <a:r>
-              <a:rPr lang="it-IT" sz="3400" b="1" i="0" u="none" strike="noStrike" dirty="0" err="1">
-                <a:solidFill>
-                  <a:srgbClr val="404040"/>
-                </a:solidFill>
-                <a:effectLst/>
-                <a:latin typeface="Lato" panose="020F0502020204030203" pitchFamily="34" charset="0"/>
-              </a:rPr>
-              <a:t>tree</a:t>
-            </a:r>
-            <a:r>
-              <a:rPr lang="it-IT" sz="3400" b="1" i="0" u="none" strike="noStrike" dirty="0">
-                <a:solidFill>
-                  <a:srgbClr val="404040"/>
-                </a:solidFill>
-                <a:effectLst/>
-                <a:latin typeface="Lato" panose="020F0502020204030203" pitchFamily="34" charset="0"/>
-              </a:rPr>
-              <a:t> ensembles</a:t>
+              <a:t>Model </a:t>
+            </a:r>
+            <a:r>
+              <a:rPr lang="it-IT" sz="3400" dirty="0" err="1">
+                <a:solidFill>
+                  <a:srgbClr val="404040"/>
+                </a:solidFill>
+                <a:latin typeface="Lato" panose="020F0502020204030203" pitchFamily="34" charset="0"/>
+              </a:rPr>
+              <a:t>complexity</a:t>
             </a:r>
             <a:endParaRPr lang="it-IT" sz="3400" dirty="0"/>
           </a:p>
@@ -5311,10 +5499,10 @@
       </p:sp>
       <p:pic>
         <p:nvPicPr>
-          <p:cNvPr id="4" name="Immagine 3" descr="Immagine che contiene testo, Carattere, ricevuta, calligrafia&#10;&#10;Descrizione generata automaticamente">
+          <p:cNvPr id="10" name="Immagine 9">
             <a:extLst>
               <a:ext uri="{FF2B5EF4-FFF2-40B4-BE49-F238E27FC236}">
-                <a16:creationId xmlns:a16="http://schemas.microsoft.com/office/drawing/2014/main" id="{77DE4AA8-CF8A-F473-E9EF-A42A9873937D}"/>
+                <a16:creationId xmlns:a16="http://schemas.microsoft.com/office/drawing/2014/main" id="{A1A4389A-6514-B6BD-F82D-80E9796562A1}"/>
               </a:ext>
             </a:extLst>
           </p:cNvPr>
@@ -5324,15 +5512,278 @@
           <p:nvPr/>
         </p:nvPicPr>
         <p:blipFill>
-          <a:blip r:embed="rId2"/>
+          <a:blip r:embed="rId3"/>
           <a:stretch>
             <a:fillRect/>
           </a:stretch>
         </p:blipFill>
         <p:spPr>
           <a:xfrm>
-            <a:off x="1904832" y="1954061"/>
-            <a:ext cx="8382335" cy="4129633"/>
+            <a:off x="908778" y="2337197"/>
+            <a:ext cx="5932290" cy="697233"/>
+          </a:xfrm>
+          <a:prstGeom prst="rect">
+            <a:avLst/>
+          </a:prstGeom>
+        </p:spPr>
+      </p:pic>
+      <p:sp>
+        <p:nvSpPr>
+          <p:cNvPr id="14" name="CasellaDiTesto 13">
+            <a:extLst>
+              <a:ext uri="{FF2B5EF4-FFF2-40B4-BE49-F238E27FC236}">
+                <a16:creationId xmlns:a16="http://schemas.microsoft.com/office/drawing/2014/main" id="{0CB88C0F-0289-BEA1-7A43-E08AF78CD6F0}"/>
+              </a:ext>
+            </a:extLst>
+          </p:cNvPr>
+          <p:cNvSpPr txBox="1"/>
+          <p:nvPr/>
+        </p:nvSpPr>
+        <p:spPr>
+          <a:xfrm>
+            <a:off x="908777" y="3813713"/>
+            <a:ext cx="4355680" cy="369332"/>
+          </a:xfrm>
+          <a:prstGeom prst="rect">
+            <a:avLst/>
+          </a:prstGeom>
+          <a:noFill/>
+        </p:spPr>
+        <p:txBody>
+          <a:bodyPr wrap="none" rtlCol="0">
+            <a:spAutoFit/>
+          </a:bodyPr>
+          <a:lstStyle/>
+          <a:p>
+            <a:r>
+              <a:rPr lang="it-IT" b="0" i="0" dirty="0">
+                <a:solidFill>
+                  <a:srgbClr val="404040"/>
+                </a:solidFill>
+                <a:effectLst/>
+                <a:latin typeface="Lato" panose="020F0502020204030203" pitchFamily="34" charset="0"/>
+              </a:rPr>
+              <a:t>In </a:t>
+            </a:r>
+            <a:r>
+              <a:rPr lang="it-IT" b="0" i="0" dirty="0" err="1">
+                <a:solidFill>
+                  <a:srgbClr val="404040"/>
+                </a:solidFill>
+                <a:effectLst/>
+                <a:latin typeface="Lato" panose="020F0502020204030203" pitchFamily="34" charset="0"/>
+              </a:rPr>
+              <a:t>XGBoost</a:t>
+            </a:r>
+            <a:r>
+              <a:rPr lang="it-IT" b="0" i="0" dirty="0">
+                <a:solidFill>
+                  <a:srgbClr val="404040"/>
+                </a:solidFill>
+                <a:effectLst/>
+                <a:latin typeface="Lato" panose="020F0502020204030203" pitchFamily="34" charset="0"/>
+              </a:rPr>
+              <a:t>, </a:t>
+            </a:r>
+            <a:r>
+              <a:rPr lang="it-IT" b="0" i="0" dirty="0" err="1">
+                <a:solidFill>
+                  <a:srgbClr val="404040"/>
+                </a:solidFill>
+                <a:effectLst/>
+                <a:latin typeface="Lato" panose="020F0502020204030203" pitchFamily="34" charset="0"/>
+              </a:rPr>
+              <a:t>we</a:t>
+            </a:r>
+            <a:r>
+              <a:rPr lang="it-IT" b="0" i="0" dirty="0">
+                <a:solidFill>
+                  <a:srgbClr val="404040"/>
+                </a:solidFill>
+                <a:effectLst/>
+                <a:latin typeface="Lato" panose="020F0502020204030203" pitchFamily="34" charset="0"/>
+              </a:rPr>
+              <a:t> </a:t>
+            </a:r>
+            <a:r>
+              <a:rPr lang="it-IT" b="0" i="0" dirty="0" err="1">
+                <a:solidFill>
+                  <a:srgbClr val="404040"/>
+                </a:solidFill>
+                <a:effectLst/>
+                <a:latin typeface="Lato" panose="020F0502020204030203" pitchFamily="34" charset="0"/>
+              </a:rPr>
+              <a:t>define</a:t>
+            </a:r>
+            <a:r>
+              <a:rPr lang="it-IT" b="0" i="0" dirty="0">
+                <a:solidFill>
+                  <a:srgbClr val="404040"/>
+                </a:solidFill>
+                <a:effectLst/>
+                <a:latin typeface="Lato" panose="020F0502020204030203" pitchFamily="34" charset="0"/>
+              </a:rPr>
+              <a:t> the </a:t>
+            </a:r>
+            <a:r>
+              <a:rPr lang="it-IT" b="0" i="0" dirty="0" err="1">
+                <a:solidFill>
+                  <a:srgbClr val="404040"/>
+                </a:solidFill>
+                <a:effectLst/>
+                <a:latin typeface="Lato" panose="020F0502020204030203" pitchFamily="34" charset="0"/>
+              </a:rPr>
+              <a:t>complexity</a:t>
+            </a:r>
+            <a:r>
+              <a:rPr lang="it-IT" b="0" i="0" dirty="0">
+                <a:solidFill>
+                  <a:srgbClr val="404040"/>
+                </a:solidFill>
+                <a:effectLst/>
+                <a:latin typeface="Lato" panose="020F0502020204030203" pitchFamily="34" charset="0"/>
+              </a:rPr>
+              <a:t> </a:t>
+            </a:r>
+            <a:r>
+              <a:rPr lang="it-IT" b="0" i="0" dirty="0" err="1">
+                <a:solidFill>
+                  <a:srgbClr val="404040"/>
+                </a:solidFill>
+                <a:effectLst/>
+                <a:latin typeface="Lato" panose="020F0502020204030203" pitchFamily="34" charset="0"/>
+              </a:rPr>
+              <a:t>as</a:t>
+            </a:r>
+            <a:r>
+              <a:rPr lang="it-IT" b="0" i="0" dirty="0">
+                <a:solidFill>
+                  <a:srgbClr val="404040"/>
+                </a:solidFill>
+                <a:effectLst/>
+                <a:latin typeface="Lato" panose="020F0502020204030203" pitchFamily="34" charset="0"/>
+              </a:rPr>
+              <a:t>:</a:t>
+            </a:r>
+            <a:endParaRPr lang="it-IT" dirty="0"/>
+          </a:p>
+        </p:txBody>
+      </p:sp>
+      <p:sp>
+        <p:nvSpPr>
+          <p:cNvPr id="15" name="CasellaDiTesto 14">
+            <a:extLst>
+              <a:ext uri="{FF2B5EF4-FFF2-40B4-BE49-F238E27FC236}">
+                <a16:creationId xmlns:a16="http://schemas.microsoft.com/office/drawing/2014/main" id="{6E9AD348-DCE9-E666-FB52-C3D343B43F56}"/>
+              </a:ext>
+            </a:extLst>
+          </p:cNvPr>
+          <p:cNvSpPr txBox="1"/>
+          <p:nvPr/>
+        </p:nvSpPr>
+        <p:spPr>
+          <a:xfrm>
+            <a:off x="908777" y="1887779"/>
+            <a:ext cx="3230372" cy="369332"/>
+          </a:xfrm>
+          <a:prstGeom prst="rect">
+            <a:avLst/>
+          </a:prstGeom>
+          <a:noFill/>
+        </p:spPr>
+        <p:txBody>
+          <a:bodyPr wrap="none" rtlCol="0">
+            <a:spAutoFit/>
+          </a:bodyPr>
+          <a:lstStyle/>
+          <a:p>
+            <a:r>
+              <a:rPr lang="it-IT" b="0" i="0" dirty="0" err="1">
+                <a:solidFill>
+                  <a:srgbClr val="404040"/>
+                </a:solidFill>
+                <a:effectLst/>
+                <a:latin typeface="Lato" panose="020F0502020204030203" pitchFamily="34" charset="0"/>
+              </a:rPr>
+              <a:t>Refine</a:t>
+            </a:r>
+            <a:r>
+              <a:rPr lang="it-IT" b="0" i="0" dirty="0">
+                <a:solidFill>
+                  <a:srgbClr val="404040"/>
+                </a:solidFill>
+                <a:effectLst/>
+                <a:latin typeface="Lato" panose="020F0502020204030203" pitchFamily="34" charset="0"/>
+              </a:rPr>
+              <a:t> the </a:t>
+            </a:r>
+            <a:r>
+              <a:rPr lang="it-IT" b="0" i="0" dirty="0" err="1">
+                <a:solidFill>
+                  <a:srgbClr val="404040"/>
+                </a:solidFill>
+                <a:effectLst/>
+                <a:latin typeface="Lato" panose="020F0502020204030203" pitchFamily="34" charset="0"/>
+              </a:rPr>
+              <a:t>definition</a:t>
+            </a:r>
+            <a:r>
+              <a:rPr lang="it-IT" b="0" i="0" dirty="0">
+                <a:solidFill>
+                  <a:srgbClr val="404040"/>
+                </a:solidFill>
+                <a:effectLst/>
+                <a:latin typeface="Lato" panose="020F0502020204030203" pitchFamily="34" charset="0"/>
+              </a:rPr>
+              <a:t> of a </a:t>
+            </a:r>
+            <a:r>
+              <a:rPr lang="it-IT" b="0" i="0" dirty="0" err="1">
+                <a:solidFill>
+                  <a:srgbClr val="404040"/>
+                </a:solidFill>
+                <a:effectLst/>
+                <a:latin typeface="Lato" panose="020F0502020204030203" pitchFamily="34" charset="0"/>
+              </a:rPr>
+              <a:t>tree</a:t>
+            </a:r>
+            <a:r>
+              <a:rPr lang="it-IT" dirty="0">
+                <a:solidFill>
+                  <a:srgbClr val="404040"/>
+                </a:solidFill>
+                <a:latin typeface="Lato" panose="020F0502020204030203" pitchFamily="34" charset="0"/>
+              </a:rPr>
+              <a:t>:</a:t>
+            </a:r>
+            <a:endParaRPr lang="it-IT" dirty="0"/>
+          </a:p>
+        </p:txBody>
+      </p:sp>
+      <p:pic>
+        <p:nvPicPr>
+          <p:cNvPr id="17" name="Immagine 16" descr="Immagine che contiene Carattere, bianco, tipografia, design&#10;&#10;Descrizione generata automaticamente">
+            <a:extLst>
+              <a:ext uri="{FF2B5EF4-FFF2-40B4-BE49-F238E27FC236}">
+                <a16:creationId xmlns:a16="http://schemas.microsoft.com/office/drawing/2014/main" id="{FFCFA3A1-035B-9007-4E80-86ABE5B635F6}"/>
+              </a:ext>
+            </a:extLst>
+          </p:cNvPr>
+          <p:cNvPicPr>
+            <a:picLocks noChangeAspect="1"/>
+          </p:cNvPicPr>
+          <p:nvPr/>
+        </p:nvPicPr>
+        <p:blipFill>
+          <a:blip r:embed="rId4"/>
+          <a:stretch>
+            <a:fillRect/>
+          </a:stretch>
+        </p:blipFill>
+        <p:spPr>
+          <a:xfrm>
+            <a:off x="908777" y="4240785"/>
+            <a:ext cx="3687330" cy="1160948"/>
           </a:xfrm>
           <a:prstGeom prst="rect">
             <a:avLst/>
@@ -5342,7 +5793,7 @@
     </p:spTree>
     <p:extLst>
       <p:ext uri="{BB962C8B-B14F-4D97-AF65-F5344CB8AC3E}">
-        <p14:creationId xmlns:p14="http://schemas.microsoft.com/office/powerpoint/2010/main" val="4073606607"/>
+        <p14:creationId xmlns:p14="http://schemas.microsoft.com/office/powerpoint/2010/main" val="165277153"/>
       </p:ext>
     </p:extLst>
   </p:cSld>
@@ -5387,379 +5838,6 @@
         </p:nvSpPr>
         <p:spPr>
           <a:xfrm>
-            <a:off x="908777" y="200233"/>
-            <a:ext cx="10374443" cy="1460500"/>
-          </a:xfrm>
-        </p:spPr>
-        <p:txBody>
-          <a:bodyPr>
-            <a:normAutofit/>
-          </a:bodyPr>
-          <a:lstStyle/>
-          <a:p>
-            <a:r>
-              <a:rPr lang="it-IT" sz="3400" dirty="0">
-                <a:solidFill>
-                  <a:srgbClr val="404040"/>
-                </a:solidFill>
-                <a:latin typeface="Lato" panose="020F0502020204030203" pitchFamily="34" charset="0"/>
-              </a:rPr>
-              <a:t>Model </a:t>
-            </a:r>
-            <a:r>
-              <a:rPr lang="it-IT" sz="3400" dirty="0" err="1">
-                <a:solidFill>
-                  <a:srgbClr val="404040"/>
-                </a:solidFill>
-                <a:latin typeface="Lato" panose="020F0502020204030203" pitchFamily="34" charset="0"/>
-              </a:rPr>
-              <a:t>complexity</a:t>
-            </a:r>
-            <a:endParaRPr lang="it-IT" sz="3400" dirty="0"/>
-          </a:p>
-        </p:txBody>
-      </p:sp>
-      <p:pic>
-        <p:nvPicPr>
-          <p:cNvPr id="10" name="Immagine 9">
-            <a:extLst>
-              <a:ext uri="{FF2B5EF4-FFF2-40B4-BE49-F238E27FC236}">
-                <a16:creationId xmlns:a16="http://schemas.microsoft.com/office/drawing/2014/main" id="{A1A4389A-6514-B6BD-F82D-80E9796562A1}"/>
-              </a:ext>
-            </a:extLst>
-          </p:cNvPr>
-          <p:cNvPicPr>
-            <a:picLocks noChangeAspect="1"/>
-          </p:cNvPicPr>
-          <p:nvPr/>
-        </p:nvPicPr>
-        <p:blipFill>
-          <a:blip r:embed="rId2"/>
-          <a:stretch>
-            <a:fillRect/>
-          </a:stretch>
-        </p:blipFill>
-        <p:spPr>
-          <a:xfrm>
-            <a:off x="908778" y="2337197"/>
-            <a:ext cx="5932290" cy="697233"/>
-          </a:xfrm>
-          <a:prstGeom prst="rect">
-            <a:avLst/>
-          </a:prstGeom>
-        </p:spPr>
-      </p:pic>
-      <p:sp>
-        <p:nvSpPr>
-          <p:cNvPr id="14" name="CasellaDiTesto 13">
-            <a:extLst>
-              <a:ext uri="{FF2B5EF4-FFF2-40B4-BE49-F238E27FC236}">
-                <a16:creationId xmlns:a16="http://schemas.microsoft.com/office/drawing/2014/main" id="{0CB88C0F-0289-BEA1-7A43-E08AF78CD6F0}"/>
-              </a:ext>
-            </a:extLst>
-          </p:cNvPr>
-          <p:cNvSpPr txBox="1"/>
-          <p:nvPr/>
-        </p:nvSpPr>
-        <p:spPr>
-          <a:xfrm>
-            <a:off x="908777" y="3813713"/>
-            <a:ext cx="4355680" cy="369332"/>
-          </a:xfrm>
-          <a:prstGeom prst="rect">
-            <a:avLst/>
-          </a:prstGeom>
-          <a:noFill/>
-        </p:spPr>
-        <p:txBody>
-          <a:bodyPr wrap="none" rtlCol="0">
-            <a:spAutoFit/>
-          </a:bodyPr>
-          <a:lstStyle/>
-          <a:p>
-            <a:r>
-              <a:rPr lang="it-IT" b="0" i="0" dirty="0">
-                <a:solidFill>
-                  <a:srgbClr val="404040"/>
-                </a:solidFill>
-                <a:effectLst/>
-                <a:latin typeface="Lato" panose="020F0502020204030203" pitchFamily="34" charset="0"/>
-              </a:rPr>
-              <a:t>In </a:t>
-            </a:r>
-            <a:r>
-              <a:rPr lang="it-IT" b="0" i="0" dirty="0" err="1">
-                <a:solidFill>
-                  <a:srgbClr val="404040"/>
-                </a:solidFill>
-                <a:effectLst/>
-                <a:latin typeface="Lato" panose="020F0502020204030203" pitchFamily="34" charset="0"/>
-              </a:rPr>
-              <a:t>XGBoost</a:t>
-            </a:r>
-            <a:r>
-              <a:rPr lang="it-IT" b="0" i="0" dirty="0">
-                <a:solidFill>
-                  <a:srgbClr val="404040"/>
-                </a:solidFill>
-                <a:effectLst/>
-                <a:latin typeface="Lato" panose="020F0502020204030203" pitchFamily="34" charset="0"/>
-              </a:rPr>
-              <a:t>, </a:t>
-            </a:r>
-            <a:r>
-              <a:rPr lang="it-IT" b="0" i="0" dirty="0" err="1">
-                <a:solidFill>
-                  <a:srgbClr val="404040"/>
-                </a:solidFill>
-                <a:effectLst/>
-                <a:latin typeface="Lato" panose="020F0502020204030203" pitchFamily="34" charset="0"/>
-              </a:rPr>
-              <a:t>we</a:t>
-            </a:r>
-            <a:r>
-              <a:rPr lang="it-IT" b="0" i="0" dirty="0">
-                <a:solidFill>
-                  <a:srgbClr val="404040"/>
-                </a:solidFill>
-                <a:effectLst/>
-                <a:latin typeface="Lato" panose="020F0502020204030203" pitchFamily="34" charset="0"/>
-              </a:rPr>
-              <a:t> </a:t>
-            </a:r>
-            <a:r>
-              <a:rPr lang="it-IT" b="0" i="0" dirty="0" err="1">
-                <a:solidFill>
-                  <a:srgbClr val="404040"/>
-                </a:solidFill>
-                <a:effectLst/>
-                <a:latin typeface="Lato" panose="020F0502020204030203" pitchFamily="34" charset="0"/>
-              </a:rPr>
-              <a:t>define</a:t>
-            </a:r>
-            <a:r>
-              <a:rPr lang="it-IT" b="0" i="0" dirty="0">
-                <a:solidFill>
-                  <a:srgbClr val="404040"/>
-                </a:solidFill>
-                <a:effectLst/>
-                <a:latin typeface="Lato" panose="020F0502020204030203" pitchFamily="34" charset="0"/>
-              </a:rPr>
-              <a:t> the </a:t>
-            </a:r>
-            <a:r>
-              <a:rPr lang="it-IT" b="0" i="0" dirty="0" err="1">
-                <a:solidFill>
-                  <a:srgbClr val="404040"/>
-                </a:solidFill>
-                <a:effectLst/>
-                <a:latin typeface="Lato" panose="020F0502020204030203" pitchFamily="34" charset="0"/>
-              </a:rPr>
-              <a:t>complexity</a:t>
-            </a:r>
-            <a:r>
-              <a:rPr lang="it-IT" b="0" i="0" dirty="0">
-                <a:solidFill>
-                  <a:srgbClr val="404040"/>
-                </a:solidFill>
-                <a:effectLst/>
-                <a:latin typeface="Lato" panose="020F0502020204030203" pitchFamily="34" charset="0"/>
-              </a:rPr>
-              <a:t> </a:t>
-            </a:r>
-            <a:r>
-              <a:rPr lang="it-IT" b="0" i="0" dirty="0" err="1">
-                <a:solidFill>
-                  <a:srgbClr val="404040"/>
-                </a:solidFill>
-                <a:effectLst/>
-                <a:latin typeface="Lato" panose="020F0502020204030203" pitchFamily="34" charset="0"/>
-              </a:rPr>
-              <a:t>as</a:t>
-            </a:r>
-            <a:r>
-              <a:rPr lang="it-IT" b="0" i="0" dirty="0">
-                <a:solidFill>
-                  <a:srgbClr val="404040"/>
-                </a:solidFill>
-                <a:effectLst/>
-                <a:latin typeface="Lato" panose="020F0502020204030203" pitchFamily="34" charset="0"/>
-              </a:rPr>
-              <a:t>:</a:t>
-            </a:r>
-            <a:endParaRPr lang="it-IT" dirty="0"/>
-          </a:p>
-        </p:txBody>
-      </p:sp>
-      <p:sp>
-        <p:nvSpPr>
-          <p:cNvPr id="15" name="CasellaDiTesto 14">
-            <a:extLst>
-              <a:ext uri="{FF2B5EF4-FFF2-40B4-BE49-F238E27FC236}">
-                <a16:creationId xmlns:a16="http://schemas.microsoft.com/office/drawing/2014/main" id="{6E9AD348-DCE9-E666-FB52-C3D343B43F56}"/>
-              </a:ext>
-            </a:extLst>
-          </p:cNvPr>
-          <p:cNvSpPr txBox="1"/>
-          <p:nvPr/>
-        </p:nvSpPr>
-        <p:spPr>
-          <a:xfrm>
-            <a:off x="908777" y="1887779"/>
-            <a:ext cx="3230372" cy="369332"/>
-          </a:xfrm>
-          <a:prstGeom prst="rect">
-            <a:avLst/>
-          </a:prstGeom>
-          <a:noFill/>
-        </p:spPr>
-        <p:txBody>
-          <a:bodyPr wrap="none" rtlCol="0">
-            <a:spAutoFit/>
-          </a:bodyPr>
-          <a:lstStyle/>
-          <a:p>
-            <a:r>
-              <a:rPr lang="it-IT" b="0" i="0" dirty="0" err="1">
-                <a:solidFill>
-                  <a:srgbClr val="404040"/>
-                </a:solidFill>
-                <a:effectLst/>
-                <a:latin typeface="Lato" panose="020F0502020204030203" pitchFamily="34" charset="0"/>
-              </a:rPr>
-              <a:t>Refine</a:t>
-            </a:r>
-            <a:r>
-              <a:rPr lang="it-IT" b="0" i="0" dirty="0">
-                <a:solidFill>
-                  <a:srgbClr val="404040"/>
-                </a:solidFill>
-                <a:effectLst/>
-                <a:latin typeface="Lato" panose="020F0502020204030203" pitchFamily="34" charset="0"/>
-              </a:rPr>
-              <a:t> the </a:t>
-            </a:r>
-            <a:r>
-              <a:rPr lang="it-IT" b="0" i="0" dirty="0" err="1">
-                <a:solidFill>
-                  <a:srgbClr val="404040"/>
-                </a:solidFill>
-                <a:effectLst/>
-                <a:latin typeface="Lato" panose="020F0502020204030203" pitchFamily="34" charset="0"/>
-              </a:rPr>
-              <a:t>definition</a:t>
-            </a:r>
-            <a:r>
-              <a:rPr lang="it-IT" b="0" i="0" dirty="0">
-                <a:solidFill>
-                  <a:srgbClr val="404040"/>
-                </a:solidFill>
-                <a:effectLst/>
-                <a:latin typeface="Lato" panose="020F0502020204030203" pitchFamily="34" charset="0"/>
-              </a:rPr>
-              <a:t> of a </a:t>
-            </a:r>
-            <a:r>
-              <a:rPr lang="it-IT" b="0" i="0" dirty="0" err="1">
-                <a:solidFill>
-                  <a:srgbClr val="404040"/>
-                </a:solidFill>
-                <a:effectLst/>
-                <a:latin typeface="Lato" panose="020F0502020204030203" pitchFamily="34" charset="0"/>
-              </a:rPr>
-              <a:t>tree</a:t>
-            </a:r>
-            <a:r>
-              <a:rPr lang="it-IT" dirty="0">
-                <a:solidFill>
-                  <a:srgbClr val="404040"/>
-                </a:solidFill>
-                <a:latin typeface="Lato" panose="020F0502020204030203" pitchFamily="34" charset="0"/>
-              </a:rPr>
-              <a:t>:</a:t>
-            </a:r>
-            <a:endParaRPr lang="it-IT" dirty="0"/>
-          </a:p>
-        </p:txBody>
-      </p:sp>
-      <p:pic>
-        <p:nvPicPr>
-          <p:cNvPr id="17" name="Immagine 16" descr="Immagine che contiene Carattere, bianco, tipografia, design&#10;&#10;Descrizione generata automaticamente">
-            <a:extLst>
-              <a:ext uri="{FF2B5EF4-FFF2-40B4-BE49-F238E27FC236}">
-                <a16:creationId xmlns:a16="http://schemas.microsoft.com/office/drawing/2014/main" id="{FFCFA3A1-035B-9007-4E80-86ABE5B635F6}"/>
-              </a:ext>
-            </a:extLst>
-          </p:cNvPr>
-          <p:cNvPicPr>
-            <a:picLocks noChangeAspect="1"/>
-          </p:cNvPicPr>
-          <p:nvPr/>
-        </p:nvPicPr>
-        <p:blipFill>
-          <a:blip r:embed="rId3"/>
-          <a:stretch>
-            <a:fillRect/>
-          </a:stretch>
-        </p:blipFill>
-        <p:spPr>
-          <a:xfrm>
-            <a:off x="908777" y="4240785"/>
-            <a:ext cx="3687330" cy="1160948"/>
-          </a:xfrm>
-          <a:prstGeom prst="rect">
-            <a:avLst/>
-          </a:prstGeom>
-        </p:spPr>
-      </p:pic>
-    </p:spTree>
-    <p:extLst>
-      <p:ext uri="{BB962C8B-B14F-4D97-AF65-F5344CB8AC3E}">
-        <p14:creationId xmlns:p14="http://schemas.microsoft.com/office/powerpoint/2010/main" val="165277153"/>
-      </p:ext>
-    </p:extLst>
-  </p:cSld>
-  <p:clrMapOvr>
-    <a:masterClrMapping/>
-  </p:clrMapOvr>
-</p:sld>
-</file>
-
-<file path=ppt/slides/slide15.xml><?xml version="1.0" encoding="utf-8"?>
-<p:sld xmlns:a="http://schemas.openxmlformats.org/drawingml/2006/main" xmlns:r="http://schemas.openxmlformats.org/officeDocument/2006/relationships" xmlns:p="http://schemas.openxmlformats.org/presentationml/2006/main">
-  <p:cSld>
-    <p:spTree>
-      <p:nvGrpSpPr>
-        <p:cNvPr id="1" name=""/>
-        <p:cNvGrpSpPr/>
-        <p:nvPr/>
-      </p:nvGrpSpPr>
-      <p:grpSpPr>
-        <a:xfrm>
-          <a:off x="0" y="0"/>
-          <a:ext cx="0" cy="0"/>
-          <a:chOff x="0" y="0"/>
-          <a:chExt cx="0" cy="0"/>
-        </a:xfrm>
-      </p:grpSpPr>
-      <p:sp>
-        <p:nvSpPr>
-          <p:cNvPr id="2" name="Titolo 1">
-            <a:extLst>
-              <a:ext uri="{FF2B5EF4-FFF2-40B4-BE49-F238E27FC236}">
-                <a16:creationId xmlns:a16="http://schemas.microsoft.com/office/drawing/2014/main" id="{18AD49A4-B263-678D-5734-6CEE99900847}"/>
-              </a:ext>
-            </a:extLst>
-          </p:cNvPr>
-          <p:cNvSpPr>
-            <a:spLocks noGrp="1"/>
-          </p:cNvSpPr>
-          <p:nvPr>
-            <p:ph type="title"/>
-          </p:nvPr>
-        </p:nvSpPr>
-        <p:spPr>
-          <a:xfrm>
             <a:off x="908777" y="47836"/>
             <a:ext cx="10374443" cy="1460500"/>
           </a:xfrm>
@@ -5777,97 +5855,25 @@
                 </a:solidFill>
                 <a:latin typeface="Lato" panose="020F0502020204030203" pitchFamily="34" charset="0"/>
               </a:rPr>
-              <a:t>M</a:t>
-            </a:r>
-            <a:r>
-              <a:rPr lang="it-IT" sz="3400" b="0" i="0" u="none" strike="noStrike" dirty="0">
-                <a:solidFill>
-                  <a:srgbClr val="404040"/>
-                </a:solidFill>
-                <a:effectLst/>
-                <a:latin typeface="Lato" panose="020F0502020204030203" pitchFamily="34" charset="0"/>
-              </a:rPr>
-              <a:t>odel </a:t>
-            </a:r>
-            <a:r>
-              <a:rPr lang="it-IT" sz="3400" b="0" i="0" u="none" strike="noStrike" dirty="0" err="1">
-                <a:solidFill>
-                  <a:srgbClr val="404040"/>
-                </a:solidFill>
-                <a:effectLst/>
-                <a:latin typeface="Lato" panose="020F0502020204030203" pitchFamily="34" charset="0"/>
-              </a:rPr>
-              <a:t>choice</a:t>
-            </a:r>
-            <a:r>
-              <a:rPr lang="it-IT" sz="3400" b="0" i="0" u="none" strike="noStrike" dirty="0">
-                <a:solidFill>
-                  <a:srgbClr val="404040"/>
-                </a:solidFill>
-                <a:effectLst/>
-                <a:latin typeface="Lato" panose="020F0502020204030203" pitchFamily="34" charset="0"/>
-              </a:rPr>
-              <a:t> of </a:t>
-            </a:r>
-            <a:r>
-              <a:rPr lang="it-IT" sz="3400" b="0" i="0" u="none" strike="noStrike" dirty="0" err="1">
-                <a:solidFill>
-                  <a:srgbClr val="404040"/>
-                </a:solidFill>
-                <a:effectLst/>
-                <a:latin typeface="Lato" panose="020F0502020204030203" pitchFamily="34" charset="0"/>
-              </a:rPr>
-              <a:t>XGBoost</a:t>
-            </a:r>
-            <a:r>
-              <a:rPr lang="it-IT" sz="3400" b="0" i="0" u="none" strike="noStrike" dirty="0">
-                <a:solidFill>
-                  <a:srgbClr val="404040"/>
-                </a:solidFill>
-                <a:effectLst/>
-                <a:latin typeface="Lato" panose="020F0502020204030203" pitchFamily="34" charset="0"/>
-              </a:rPr>
-              <a:t>: </a:t>
-            </a:r>
-            <a:r>
-              <a:rPr lang="it-IT" sz="3400" b="1" i="0" u="none" strike="noStrike" dirty="0" err="1">
-                <a:solidFill>
-                  <a:srgbClr val="404040"/>
-                </a:solidFill>
-                <a:effectLst/>
-                <a:latin typeface="Lato" panose="020F0502020204030203" pitchFamily="34" charset="0"/>
-              </a:rPr>
-              <a:t>decision</a:t>
-            </a:r>
-            <a:r>
-              <a:rPr lang="it-IT" sz="3400" b="1" i="0" u="none" strike="noStrike" dirty="0">
-                <a:solidFill>
-                  <a:srgbClr val="404040"/>
-                </a:solidFill>
-                <a:effectLst/>
-                <a:latin typeface="Lato" panose="020F0502020204030203" pitchFamily="34" charset="0"/>
-              </a:rPr>
-              <a:t> </a:t>
-            </a:r>
-            <a:r>
-              <a:rPr lang="it-IT" sz="3400" b="1" i="0" u="none" strike="noStrike" dirty="0" err="1">
-                <a:solidFill>
-                  <a:srgbClr val="404040"/>
-                </a:solidFill>
-                <a:effectLst/>
-                <a:latin typeface="Lato" panose="020F0502020204030203" pitchFamily="34" charset="0"/>
-              </a:rPr>
-              <a:t>tree</a:t>
-            </a:r>
-            <a:r>
-              <a:rPr lang="it-IT" sz="3400" b="1" i="0" u="none" strike="noStrike" dirty="0">
-                <a:solidFill>
-                  <a:srgbClr val="404040"/>
-                </a:solidFill>
-                <a:effectLst/>
-                <a:latin typeface="Lato" panose="020F0502020204030203" pitchFamily="34" charset="0"/>
-              </a:rPr>
-              <a:t> ensembles</a:t>
+              <a:t>The </a:t>
+            </a:r>
+            <a:r>
+              <a:rPr lang="it-IT" sz="3400" dirty="0" err="1">
+                <a:solidFill>
+                  <a:srgbClr val="404040"/>
+                </a:solidFill>
+                <a:latin typeface="Lato" panose="020F0502020204030203" pitchFamily="34" charset="0"/>
+              </a:rPr>
+              <a:t>structure</a:t>
+            </a:r>
+            <a:r>
+              <a:rPr lang="it-IT" sz="3400" dirty="0">
+                <a:solidFill>
+                  <a:srgbClr val="404040"/>
+                </a:solidFill>
+                <a:latin typeface="Lato" panose="020F0502020204030203" pitchFamily="34" charset="0"/>
+              </a:rPr>
+              <a:t> score</a:t>
             </a:r>
             <a:endParaRPr lang="it-IT" sz="3400" dirty="0"/>
           </a:p>
@@ -5916,7 +5922,7 @@
 </p:sld>
 </file>
 
-<file path=ppt/slides/slide16.xml><?xml version="1.0" encoding="utf-8"?>
+<file path=ppt/slides/slide15.xml><?xml version="1.0" encoding="utf-8"?>
 <p:sld xmlns:a="http://schemas.openxmlformats.org/drawingml/2006/main" xmlns:r="http://schemas.openxmlformats.org/officeDocument/2006/relationships" xmlns:p="http://schemas.openxmlformats.org/presentationml/2006/main">
   <p:cSld>
     <p:spTree>
@@ -5980,6 +5986,65 @@
           </a:extLst>
         </p:spPr>
       </p:pic>
+      <p:sp>
+        <p:nvSpPr>
+          <p:cNvPr id="2" name="Titolo 1">
+            <a:extLst>
+              <a:ext uri="{FF2B5EF4-FFF2-40B4-BE49-F238E27FC236}">
+                <a16:creationId xmlns:a16="http://schemas.microsoft.com/office/drawing/2014/main" id="{0CFBD2EA-EAEC-558B-D0AD-577CB2B1C9A7}"/>
+              </a:ext>
+            </a:extLst>
+          </p:cNvPr>
+          <p:cNvSpPr>
+            <a:spLocks noGrp="1"/>
+          </p:cNvSpPr>
+          <p:nvPr>
+            <p:ph type="title"/>
+          </p:nvPr>
+        </p:nvSpPr>
+        <p:spPr>
+          <a:xfrm>
+            <a:off x="908777" y="47836"/>
+            <a:ext cx="10374443" cy="1460500"/>
+          </a:xfrm>
+        </p:spPr>
+        <p:txBody>
+          <a:bodyPr>
+            <a:normAutofit/>
+          </a:bodyPr>
+          <a:lstStyle/>
+          <a:p>
+            <a:r>
+              <a:rPr lang="it-IT" sz="3400" dirty="0">
+                <a:solidFill>
+                  <a:srgbClr val="404040"/>
+                </a:solidFill>
+                <a:latin typeface="Lato" panose="020F0502020204030203" pitchFamily="34" charset="0"/>
+              </a:rPr>
+              <a:t>The </a:t>
+            </a:r>
+            <a:r>
+              <a:rPr lang="it-IT" sz="3400" dirty="0" err="1">
+                <a:solidFill>
+                  <a:srgbClr val="404040"/>
+                </a:solidFill>
+                <a:latin typeface="Lato" panose="020F0502020204030203" pitchFamily="34" charset="0"/>
+              </a:rPr>
+              <a:t>structure</a:t>
+            </a:r>
+            <a:r>
+              <a:rPr lang="it-IT" sz="3400" dirty="0">
+                <a:solidFill>
+                  <a:srgbClr val="404040"/>
+                </a:solidFill>
+                <a:latin typeface="Lato" panose="020F0502020204030203" pitchFamily="34" charset="0"/>
+              </a:rPr>
+              <a:t> score</a:t>
+            </a:r>
+            <a:endParaRPr lang="it-IT" sz="3400" dirty="0"/>
+          </a:p>
+        </p:txBody>
+      </p:sp>
     </p:spTree>
     <p:extLst>
       <p:ext uri="{BB962C8B-B14F-4D97-AF65-F5344CB8AC3E}">
@@ -5993,7 +6058,7 @@
 </p:sld>
 </file>
 
-<file path=ppt/slides/slide17.xml><?xml version="1.0" encoding="utf-8"?>
+<file path=ppt/slides/slide16.xml><?xml version="1.0" encoding="utf-8"?>
 <p:sld xmlns:a="http://schemas.openxmlformats.org/drawingml/2006/main" xmlns:r="http://schemas.openxmlformats.org/officeDocument/2006/relationships" xmlns:p="http://schemas.openxmlformats.org/presentationml/2006/main">
   <p:cSld>
     <p:spTree>
@@ -6622,6 +6687,309 @@
 </p:sld>
 </file>
 
+<file path=ppt/slides/slide17.xml><?xml version="1.0" encoding="utf-8"?>
+<p:sld xmlns:a="http://schemas.openxmlformats.org/drawingml/2006/main" xmlns:r="http://schemas.openxmlformats.org/officeDocument/2006/relationships" xmlns:p="http://schemas.openxmlformats.org/presentationml/2006/main">
+  <p:cSld>
+    <p:spTree>
+      <p:nvGrpSpPr>
+        <p:cNvPr id="1" name=""/>
+        <p:cNvGrpSpPr/>
+        <p:nvPr/>
+      </p:nvGrpSpPr>
+      <p:grpSpPr>
+        <a:xfrm>
+          <a:off x="0" y="0"/>
+          <a:ext cx="0" cy="0"/>
+          <a:chOff x="0" y="0"/>
+          <a:chExt cx="0" cy="0"/>
+        </a:xfrm>
+      </p:grpSpPr>
+      <p:sp>
+        <p:nvSpPr>
+          <p:cNvPr id="6" name="Titolo 1">
+            <a:extLst>
+              <a:ext uri="{FF2B5EF4-FFF2-40B4-BE49-F238E27FC236}">
+                <a16:creationId xmlns:a16="http://schemas.microsoft.com/office/drawing/2014/main" id="{101493D1-2D71-2BF9-E020-41E86FDD7F41}"/>
+              </a:ext>
+            </a:extLst>
+          </p:cNvPr>
+          <p:cNvSpPr>
+            <a:spLocks noGrp="1"/>
+          </p:cNvSpPr>
+          <p:nvPr>
+            <p:ph type="title"/>
+          </p:nvPr>
+        </p:nvSpPr>
+        <p:spPr>
+          <a:xfrm>
+            <a:off x="717923" y="0"/>
+            <a:ext cx="10374443" cy="1460500"/>
+          </a:xfrm>
+        </p:spPr>
+        <p:txBody>
+          <a:bodyPr>
+            <a:normAutofit/>
+          </a:bodyPr>
+          <a:lstStyle/>
+          <a:p>
+            <a:r>
+              <a:rPr lang="it-IT" sz="3400" dirty="0" err="1">
+                <a:solidFill>
+                  <a:srgbClr val="404040"/>
+                </a:solidFill>
+                <a:latin typeface="Lato" panose="020F0502020204030203" pitchFamily="34" charset="0"/>
+              </a:rPr>
+              <a:t>Implementation</a:t>
+            </a:r>
+            <a:endParaRPr lang="it-IT" sz="3400" dirty="0"/>
+          </a:p>
+        </p:txBody>
+      </p:sp>
+      <p:pic>
+        <p:nvPicPr>
+          <p:cNvPr id="10" name="Immagine 9" descr="Immagine che contiene testo, schermata, Carattere, design&#10;&#10;Descrizione generata automaticamente">
+            <a:extLst>
+              <a:ext uri="{FF2B5EF4-FFF2-40B4-BE49-F238E27FC236}">
+                <a16:creationId xmlns:a16="http://schemas.microsoft.com/office/drawing/2014/main" id="{068F326D-C055-CB99-E3A2-D849AF432E92}"/>
+              </a:ext>
+            </a:extLst>
+          </p:cNvPr>
+          <p:cNvPicPr>
+            <a:picLocks noChangeAspect="1"/>
+          </p:cNvPicPr>
+          <p:nvPr/>
+        </p:nvPicPr>
+        <p:blipFill>
+          <a:blip r:embed="rId2"/>
+          <a:stretch>
+            <a:fillRect/>
+          </a:stretch>
+        </p:blipFill>
+        <p:spPr>
+          <a:xfrm>
+            <a:off x="717923" y="1210235"/>
+            <a:ext cx="8376488" cy="5278196"/>
+          </a:xfrm>
+          <a:prstGeom prst="rect">
+            <a:avLst/>
+          </a:prstGeom>
+        </p:spPr>
+      </p:pic>
+    </p:spTree>
+    <p:extLst>
+      <p:ext uri="{BB962C8B-B14F-4D97-AF65-F5344CB8AC3E}">
+        <p14:creationId xmlns:p14="http://schemas.microsoft.com/office/powerpoint/2010/main" val="1889530861"/>
+      </p:ext>
+    </p:extLst>
+  </p:cSld>
+  <p:clrMapOvr>
+    <a:masterClrMapping/>
+  </p:clrMapOvr>
+</p:sld>
+</file>
+
+<file path=ppt/slides/slide18.xml><?xml version="1.0" encoding="utf-8"?>
+<p:sld xmlns:a="http://schemas.openxmlformats.org/drawingml/2006/main" xmlns:r="http://schemas.openxmlformats.org/officeDocument/2006/relationships" xmlns:p="http://schemas.openxmlformats.org/presentationml/2006/main">
+  <p:cSld>
+    <p:spTree>
+      <p:nvGrpSpPr>
+        <p:cNvPr id="1" name=""/>
+        <p:cNvGrpSpPr/>
+        <p:nvPr/>
+      </p:nvGrpSpPr>
+      <p:grpSpPr>
+        <a:xfrm>
+          <a:off x="0" y="0"/>
+          <a:ext cx="0" cy="0"/>
+          <a:chOff x="0" y="0"/>
+          <a:chExt cx="0" cy="0"/>
+        </a:xfrm>
+      </p:grpSpPr>
+      <p:sp>
+        <p:nvSpPr>
+          <p:cNvPr id="6" name="Titolo 1">
+            <a:extLst>
+              <a:ext uri="{FF2B5EF4-FFF2-40B4-BE49-F238E27FC236}">
+                <a16:creationId xmlns:a16="http://schemas.microsoft.com/office/drawing/2014/main" id="{101493D1-2D71-2BF9-E020-41E86FDD7F41}"/>
+              </a:ext>
+            </a:extLst>
+          </p:cNvPr>
+          <p:cNvSpPr>
+            <a:spLocks noGrp="1"/>
+          </p:cNvSpPr>
+          <p:nvPr>
+            <p:ph type="title"/>
+          </p:nvPr>
+        </p:nvSpPr>
+        <p:spPr>
+          <a:xfrm>
+            <a:off x="717923" y="0"/>
+            <a:ext cx="10374443" cy="1460500"/>
+          </a:xfrm>
+        </p:spPr>
+        <p:txBody>
+          <a:bodyPr>
+            <a:normAutofit/>
+          </a:bodyPr>
+          <a:lstStyle/>
+          <a:p>
+            <a:r>
+              <a:rPr lang="it-IT" sz="3400" dirty="0" err="1">
+                <a:solidFill>
+                  <a:srgbClr val="404040"/>
+                </a:solidFill>
+                <a:latin typeface="Lato" panose="020F0502020204030203" pitchFamily="34" charset="0"/>
+              </a:rPr>
+              <a:t>Implementation</a:t>
+            </a:r>
+            <a:endParaRPr lang="it-IT" sz="3400" dirty="0"/>
+          </a:p>
+        </p:txBody>
+      </p:sp>
+      <p:pic>
+        <p:nvPicPr>
+          <p:cNvPr id="3" name="Immagine 2" descr="Immagine che contiene testo, Carattere, schermata&#10;&#10;Descrizione generata automaticamente">
+            <a:extLst>
+              <a:ext uri="{FF2B5EF4-FFF2-40B4-BE49-F238E27FC236}">
+                <a16:creationId xmlns:a16="http://schemas.microsoft.com/office/drawing/2014/main" id="{474370F2-4448-9DA0-39F0-695B76DE05C9}"/>
+              </a:ext>
+            </a:extLst>
+          </p:cNvPr>
+          <p:cNvPicPr>
+            <a:picLocks noChangeAspect="1"/>
+          </p:cNvPicPr>
+          <p:nvPr/>
+        </p:nvPicPr>
+        <p:blipFill>
+          <a:blip r:embed="rId2"/>
+          <a:stretch>
+            <a:fillRect/>
+          </a:stretch>
+        </p:blipFill>
+        <p:spPr>
+          <a:xfrm>
+            <a:off x="717923" y="1460500"/>
+            <a:ext cx="9197382" cy="3568700"/>
+          </a:xfrm>
+          <a:prstGeom prst="rect">
+            <a:avLst/>
+          </a:prstGeom>
+        </p:spPr>
+      </p:pic>
+    </p:spTree>
+    <p:extLst>
+      <p:ext uri="{BB962C8B-B14F-4D97-AF65-F5344CB8AC3E}">
+        <p14:creationId xmlns:p14="http://schemas.microsoft.com/office/powerpoint/2010/main" val="2547867153"/>
+      </p:ext>
+    </p:extLst>
+  </p:cSld>
+  <p:clrMapOvr>
+    <a:masterClrMapping/>
+  </p:clrMapOvr>
+</p:sld>
+</file>
+
+<file path=ppt/slides/slide19.xml><?xml version="1.0" encoding="utf-8"?>
+<p:sld xmlns:a="http://schemas.openxmlformats.org/drawingml/2006/main" xmlns:r="http://schemas.openxmlformats.org/officeDocument/2006/relationships" xmlns:p="http://schemas.openxmlformats.org/presentationml/2006/main">
+  <p:cSld>
+    <p:spTree>
+      <p:nvGrpSpPr>
+        <p:cNvPr id="1" name=""/>
+        <p:cNvGrpSpPr/>
+        <p:nvPr/>
+      </p:nvGrpSpPr>
+      <p:grpSpPr>
+        <a:xfrm>
+          <a:off x="0" y="0"/>
+          <a:ext cx="0" cy="0"/>
+          <a:chOff x="0" y="0"/>
+          <a:chExt cx="0" cy="0"/>
+        </a:xfrm>
+      </p:grpSpPr>
+      <p:sp>
+        <p:nvSpPr>
+          <p:cNvPr id="6" name="Titolo 1">
+            <a:extLst>
+              <a:ext uri="{FF2B5EF4-FFF2-40B4-BE49-F238E27FC236}">
+                <a16:creationId xmlns:a16="http://schemas.microsoft.com/office/drawing/2014/main" id="{101493D1-2D71-2BF9-E020-41E86FDD7F41}"/>
+              </a:ext>
+            </a:extLst>
+          </p:cNvPr>
+          <p:cNvSpPr>
+            <a:spLocks noGrp="1"/>
+          </p:cNvSpPr>
+          <p:nvPr>
+            <p:ph type="title"/>
+          </p:nvPr>
+        </p:nvSpPr>
+        <p:spPr>
+          <a:xfrm>
+            <a:off x="717923" y="0"/>
+            <a:ext cx="10374443" cy="1460500"/>
+          </a:xfrm>
+        </p:spPr>
+        <p:txBody>
+          <a:bodyPr>
+            <a:normAutofit/>
+          </a:bodyPr>
+          <a:lstStyle/>
+          <a:p>
+            <a:r>
+              <a:rPr lang="it-IT" sz="3400" dirty="0" err="1">
+                <a:solidFill>
+                  <a:srgbClr val="404040"/>
+                </a:solidFill>
+                <a:latin typeface="Lato" panose="020F0502020204030203" pitchFamily="34" charset="0"/>
+              </a:rPr>
+              <a:t>Implementation</a:t>
+            </a:r>
+            <a:endParaRPr lang="it-IT" sz="3400" dirty="0"/>
+          </a:p>
+        </p:txBody>
+      </p:sp>
+      <p:pic>
+        <p:nvPicPr>
+          <p:cNvPr id="3" name="Immagine 2" descr="Immagine che contiene testo, schermata, Carattere&#10;&#10;Descrizione generata automaticamente">
+            <a:extLst>
+              <a:ext uri="{FF2B5EF4-FFF2-40B4-BE49-F238E27FC236}">
+                <a16:creationId xmlns:a16="http://schemas.microsoft.com/office/drawing/2014/main" id="{4467D81B-AD08-E14A-9F08-196026123CDD}"/>
+              </a:ext>
+            </a:extLst>
+          </p:cNvPr>
+          <p:cNvPicPr>
+            <a:picLocks noChangeAspect="1"/>
+          </p:cNvPicPr>
+          <p:nvPr/>
+        </p:nvPicPr>
+        <p:blipFill>
+          <a:blip r:embed="rId2"/>
+          <a:stretch>
+            <a:fillRect/>
+          </a:stretch>
+        </p:blipFill>
+        <p:spPr>
+          <a:xfrm>
+            <a:off x="717923" y="1460499"/>
+            <a:ext cx="9931680" cy="4321735"/>
+          </a:xfrm>
+          <a:prstGeom prst="rect">
+            <a:avLst/>
+          </a:prstGeom>
+        </p:spPr>
+      </p:pic>
+    </p:spTree>
+    <p:extLst>
+      <p:ext uri="{BB962C8B-B14F-4D97-AF65-F5344CB8AC3E}">
+        <p14:creationId xmlns:p14="http://schemas.microsoft.com/office/powerpoint/2010/main" val="3367795462"/>
+      </p:ext>
+    </p:extLst>
+  </p:cSld>
+  <p:clrMapOvr>
+    <a:masterClrMapping/>
+  </p:clrMapOvr>
+</p:sld>
+</file>
+
 <file path=ppt/slides/slide2.xml><?xml version="1.0" encoding="utf-8"?>
 <p:sld xmlns:a="http://schemas.openxmlformats.org/drawingml/2006/main" xmlns:r="http://schemas.openxmlformats.org/officeDocument/2006/relationships" xmlns:p="http://schemas.openxmlformats.org/presentationml/2006/main">
   <p:cSld>
@@ -7466,6 +7834,107 @@
     <p:extLst>
       <p:ext uri="{BB962C8B-B14F-4D97-AF65-F5344CB8AC3E}">
         <p14:creationId xmlns:p14="http://schemas.microsoft.com/office/powerpoint/2010/main" val="1589298068"/>
+      </p:ext>
+    </p:extLst>
+  </p:cSld>
+  <p:clrMapOvr>
+    <a:masterClrMapping/>
+  </p:clrMapOvr>
+</p:sld>
+</file>
+
+<file path=ppt/slides/slide20.xml><?xml version="1.0" encoding="utf-8"?>
+<p:sld xmlns:a="http://schemas.openxmlformats.org/drawingml/2006/main" xmlns:r="http://schemas.openxmlformats.org/officeDocument/2006/relationships" xmlns:p="http://schemas.openxmlformats.org/presentationml/2006/main">
+  <p:cSld>
+    <p:spTree>
+      <p:nvGrpSpPr>
+        <p:cNvPr id="1" name=""/>
+        <p:cNvGrpSpPr/>
+        <p:nvPr/>
+      </p:nvGrpSpPr>
+      <p:grpSpPr>
+        <a:xfrm>
+          <a:off x="0" y="0"/>
+          <a:ext cx="0" cy="0"/>
+          <a:chOff x="0" y="0"/>
+          <a:chExt cx="0" cy="0"/>
+        </a:xfrm>
+      </p:grpSpPr>
+      <p:sp>
+        <p:nvSpPr>
+          <p:cNvPr id="6" name="Titolo 1">
+            <a:extLst>
+              <a:ext uri="{FF2B5EF4-FFF2-40B4-BE49-F238E27FC236}">
+                <a16:creationId xmlns:a16="http://schemas.microsoft.com/office/drawing/2014/main" id="{101493D1-2D71-2BF9-E020-41E86FDD7F41}"/>
+              </a:ext>
+            </a:extLst>
+          </p:cNvPr>
+          <p:cNvSpPr>
+            <a:spLocks noGrp="1"/>
+          </p:cNvSpPr>
+          <p:nvPr>
+            <p:ph type="title"/>
+          </p:nvPr>
+        </p:nvSpPr>
+        <p:spPr>
+          <a:xfrm>
+            <a:off x="717923" y="0"/>
+            <a:ext cx="10374443" cy="1460500"/>
+          </a:xfrm>
+        </p:spPr>
+        <p:txBody>
+          <a:bodyPr>
+            <a:normAutofit/>
+          </a:bodyPr>
+          <a:lstStyle/>
+          <a:p>
+            <a:r>
+              <a:rPr lang="it-IT" sz="3400" dirty="0" err="1">
+                <a:solidFill>
+                  <a:srgbClr val="404040"/>
+                </a:solidFill>
+                <a:latin typeface="Lato" panose="020F0502020204030203" pitchFamily="34" charset="0"/>
+              </a:rPr>
+              <a:t>Implementation</a:t>
+            </a:r>
+            <a:endParaRPr lang="it-IT" sz="3400" dirty="0"/>
+          </a:p>
+        </p:txBody>
+      </p:sp>
+      <p:pic>
+        <p:nvPicPr>
+          <p:cNvPr id="3" name="Immagine 2" descr="Immagine che contiene testo, schermata, linea, diagramma&#10;&#10;Descrizione generata automaticamente">
+            <a:extLst>
+              <a:ext uri="{FF2B5EF4-FFF2-40B4-BE49-F238E27FC236}">
+                <a16:creationId xmlns:a16="http://schemas.microsoft.com/office/drawing/2014/main" id="{621865AD-62AD-373F-9896-B9905356274A}"/>
+              </a:ext>
+            </a:extLst>
+          </p:cNvPr>
+          <p:cNvPicPr>
+            <a:picLocks noChangeAspect="1"/>
+          </p:cNvPicPr>
+          <p:nvPr/>
+        </p:nvPicPr>
+        <p:blipFill>
+          <a:blip r:embed="rId2"/>
+          <a:stretch>
+            <a:fillRect/>
+          </a:stretch>
+        </p:blipFill>
+        <p:spPr>
+          <a:xfrm>
+            <a:off x="717923" y="1229285"/>
+            <a:ext cx="7772400" cy="5289960"/>
+          </a:xfrm>
+          <a:prstGeom prst="rect">
+            <a:avLst/>
+          </a:prstGeom>
+        </p:spPr>
+      </p:pic>
+    </p:spTree>
+    <p:extLst>
+      <p:ext uri="{BB962C8B-B14F-4D97-AF65-F5344CB8AC3E}">
+        <p14:creationId xmlns:p14="http://schemas.microsoft.com/office/powerpoint/2010/main" val="2508457751"/>
       </p:ext>
     </p:extLst>
   </p:cSld>
@@ -10181,7 +10650,7 @@
               <a:t> Evaluation </a:t>
             </a:r>
             <a:r>
-              <a:rPr lang="it-IT" i="0" dirty="0" err="1">
+              <a:rPr lang="it-IT" b="1" i="0" dirty="0" err="1">
                 <a:solidFill>
                   <a:srgbClr val="292929"/>
                 </a:solidFill>
@@ -10557,7 +11026,7 @@
           </p:nvPr>
         </p:nvPicPr>
         <p:blipFill>
-          <a:blip r:embed="rId2"/>
+          <a:blip r:embed="rId3"/>
           <a:stretch>
             <a:fillRect/>
           </a:stretch>
